--- a/monografia/Template_apresentação_TCC.pptx
+++ b/monografia/Template_apresentação_TCC.pptx
@@ -51,7 +51,7 @@
       </p:grpSpPr>
       <p:sp>
         <p:nvSpPr>
-          <p:cNvPr id="74" name="PlaceHolder 1"/>
+          <p:cNvPr id="68" name="PlaceHolder 1"/>
           <p:cNvSpPr>
             <a:spLocks noGrp="1"/>
           </p:cNvSpPr>
@@ -81,7 +81,7 @@
       </p:sp>
       <p:sp>
         <p:nvSpPr>
-          <p:cNvPr id="75" name="PlaceHolder 2"/>
+          <p:cNvPr id="69" name="PlaceHolder 2"/>
           <p:cNvSpPr>
             <a:spLocks noGrp="1"/>
           </p:cNvSpPr>
@@ -111,7 +111,7 @@
       </p:sp>
       <p:sp>
         <p:nvSpPr>
-          <p:cNvPr id="76" name="PlaceHolder 3"/>
+          <p:cNvPr id="70" name="PlaceHolder 3"/>
           <p:cNvSpPr>
             <a:spLocks noGrp="1"/>
           </p:cNvSpPr>
@@ -142,7 +142,7 @@
       </p:sp>
       <p:sp>
         <p:nvSpPr>
-          <p:cNvPr id="77" name="PlaceHolder 4"/>
+          <p:cNvPr id="71" name="PlaceHolder 4"/>
           <p:cNvSpPr>
             <a:spLocks noGrp="1"/>
           </p:cNvSpPr>
@@ -172,7 +172,7 @@
       </p:sp>
       <p:sp>
         <p:nvSpPr>
-          <p:cNvPr id="78" name="PlaceHolder 5"/>
+          <p:cNvPr id="72" name="PlaceHolder 5"/>
           <p:cNvSpPr>
             <a:spLocks noGrp="1"/>
           </p:cNvSpPr>
@@ -193,7 +193,7 @@
           <a:bodyPr anchor="b" bIns="0" lIns="0" rIns="0" tIns="0" wrap="none"/>
           <a:p>
             <a:pPr algn="r"/>
-            <a:fld id="{59253903-371F-48BD-A0B7-3FDEA940BCA4}" type="slidenum">
+            <a:fld id="{68F66522-A8E4-4EE2-9839-DA308CDDB424}" type="slidenum">
               <a:rPr lang="pt-BR"/>
               <a:t>&lt;número&gt;</a:t>
             </a:fld>
@@ -226,7 +226,7 @@
       </p:grpSpPr>
       <p:sp>
         <p:nvSpPr>
-          <p:cNvPr id="161" name="PlaceHolder 1"/>
+          <p:cNvPr id="155" name="PlaceHolder 1"/>
           <p:cNvSpPr>
             <a:spLocks noGrp="1"/>
           </p:cNvSpPr>
@@ -237,43 +237,43 @@
         <p:spPr>
           <a:xfrm>
             <a:off x="685800" y="4400640"/>
-            <a:ext cx="5486040" cy="3600000"/>
-          </a:xfrm>
-          <a:prstGeom prst="rect">
-            <a:avLst/>
-          </a:prstGeom>
-        </p:spPr>
-        <p:txBody>
-          <a:bodyPr/>
-          <a:p>
-            <a:endParaRPr/>
-          </a:p>
-        </p:txBody>
-      </p:sp>
-      <p:sp>
-        <p:nvSpPr>
-          <p:cNvPr id="162" name="TextShape 2"/>
-          <p:cNvSpPr txBox="1"/>
+            <a:ext cx="5485680" cy="3599640"/>
+          </a:xfrm>
+          <a:prstGeom prst="rect">
+            <a:avLst/>
+          </a:prstGeom>
+        </p:spPr>
+        <p:txBody>
+          <a:bodyPr bIns="0" lIns="0" rIns="0" tIns="0"/>
+          <a:p>
+            <a:endParaRPr/>
+          </a:p>
+        </p:txBody>
+      </p:sp>
+      <p:sp>
+        <p:nvSpPr>
+          <p:cNvPr id="156" name="CustomShape 2"/>
+          <p:cNvSpPr/>
           <p:nvPr/>
         </p:nvSpPr>
         <p:spPr>
           <a:xfrm>
             <a:off x="3884760" y="8685360"/>
-            <a:ext cx="2971440" cy="458280"/>
-          </a:xfrm>
-          <a:prstGeom prst="rect">
-            <a:avLst/>
-          </a:prstGeom>
-        </p:spPr>
-        <p:txBody>
-          <a:bodyPr anchor="b"/>
+            <a:ext cx="2971080" cy="457920"/>
+          </a:xfrm>
+          <a:prstGeom prst="rect">
+            <a:avLst/>
+          </a:prstGeom>
+        </p:spPr>
+        <p:txBody>
+          <a:bodyPr anchor="b" bIns="45000" lIns="90000" rIns="90000" tIns="45000"/>
           <a:p>
             <a:pPr algn="r">
               <a:lnSpc>
                 <a:spcPct val="100000"/>
               </a:lnSpc>
             </a:pPr>
-            <a:fld id="{59956D31-F2E3-4B4E-96C2-7634A7D2EA77}" type="slidenum">
+            <a:fld id="{4BE1B506-4D1B-479A-B6A7-E74E3C690CFE}" type="slidenum">
               <a:rPr lang="pt-BR" sz="1200">
                 <a:solidFill>
                   <a:srgbClr val="000000"/>
@@ -333,7 +333,7 @@
       </p:grpSpPr>
       <p:sp>
         <p:nvSpPr>
-          <p:cNvPr id="26" name="PlaceHolder 1"/>
+          <p:cNvPr id="23" name="PlaceHolder 1"/>
           <p:cNvSpPr>
             <a:spLocks noGrp="1"/>
           </p:cNvSpPr>
@@ -343,8 +343,8 @@
         </p:nvSpPr>
         <p:spPr>
           <a:xfrm>
-            <a:off x="838080" y="365040"/>
-            <a:ext cx="10515240" cy="1325520"/>
+            <a:off x="609480" y="273600"/>
+            <a:ext cx="10972440" cy="1145160"/>
           </a:xfrm>
           <a:prstGeom prst="rect">
             <a:avLst/>
@@ -353,13 +353,14 @@
         <p:txBody>
           <a:bodyPr anchor="ctr" bIns="0" lIns="0" rIns="0" tIns="0" wrap="none"/>
           <a:p>
-            <a:endParaRPr/>
-          </a:p>
-        </p:txBody>
-      </p:sp>
-      <p:sp>
-        <p:nvSpPr>
-          <p:cNvPr id="27" name="PlaceHolder 2"/>
+            <a:pPr algn="ctr"/>
+            <a:endParaRPr/>
+          </a:p>
+        </p:txBody>
+      </p:sp>
+      <p:sp>
+        <p:nvSpPr>
+          <p:cNvPr id="24" name="PlaceHolder 2"/>
           <p:cNvSpPr>
             <a:spLocks noGrp="1"/>
           </p:cNvSpPr>
@@ -369,8 +370,8 @@
         </p:nvSpPr>
         <p:spPr>
           <a:xfrm>
-            <a:off x="838080" y="1825560"/>
-            <a:ext cx="10515240" cy="2075040"/>
+            <a:off x="609480" y="1604520"/>
+            <a:ext cx="10972440" cy="1896840"/>
           </a:xfrm>
           <a:prstGeom prst="rect">
             <a:avLst/>
@@ -385,7 +386,7 @@
       </p:sp>
       <p:sp>
         <p:nvSpPr>
-          <p:cNvPr id="28" name="PlaceHolder 3"/>
+          <p:cNvPr id="25" name="PlaceHolder 3"/>
           <p:cNvSpPr>
             <a:spLocks noGrp="1"/>
           </p:cNvSpPr>
@@ -395,8 +396,8 @@
         </p:nvSpPr>
         <p:spPr>
           <a:xfrm>
-            <a:off x="838080" y="4097880"/>
-            <a:ext cx="10515240" cy="2075040"/>
+            <a:off x="609480" y="3681720"/>
+            <a:ext cx="10972440" cy="1896840"/>
           </a:xfrm>
           <a:prstGeom prst="rect">
             <a:avLst/>
@@ -433,7 +434,7 @@
       </p:grpSpPr>
       <p:sp>
         <p:nvSpPr>
-          <p:cNvPr id="29" name="PlaceHolder 1"/>
+          <p:cNvPr id="26" name="PlaceHolder 1"/>
           <p:cNvSpPr>
             <a:spLocks noGrp="1"/>
           </p:cNvSpPr>
@@ -443,8 +444,8 @@
         </p:nvSpPr>
         <p:spPr>
           <a:xfrm>
-            <a:off x="838080" y="365040"/>
-            <a:ext cx="10515240" cy="1325520"/>
+            <a:off x="609480" y="273600"/>
+            <a:ext cx="10972440" cy="1145160"/>
           </a:xfrm>
           <a:prstGeom prst="rect">
             <a:avLst/>
@@ -453,13 +454,14 @@
         <p:txBody>
           <a:bodyPr anchor="ctr" bIns="0" lIns="0" rIns="0" tIns="0" wrap="none"/>
           <a:p>
-            <a:endParaRPr/>
-          </a:p>
-        </p:txBody>
-      </p:sp>
-      <p:sp>
-        <p:nvSpPr>
-          <p:cNvPr id="30" name="PlaceHolder 2"/>
+            <a:pPr algn="ctr"/>
+            <a:endParaRPr/>
+          </a:p>
+        </p:txBody>
+      </p:sp>
+      <p:sp>
+        <p:nvSpPr>
+          <p:cNvPr id="27" name="PlaceHolder 2"/>
           <p:cNvSpPr>
             <a:spLocks noGrp="1"/>
           </p:cNvSpPr>
@@ -469,8 +471,8 @@
         </p:nvSpPr>
         <p:spPr>
           <a:xfrm>
-            <a:off x="838080" y="1825560"/>
-            <a:ext cx="5131080" cy="2075040"/>
+            <a:off x="609480" y="1604520"/>
+            <a:ext cx="5354280" cy="1896840"/>
           </a:xfrm>
           <a:prstGeom prst="rect">
             <a:avLst/>
@@ -485,7 +487,7 @@
       </p:sp>
       <p:sp>
         <p:nvSpPr>
-          <p:cNvPr id="31" name="PlaceHolder 3"/>
+          <p:cNvPr id="28" name="PlaceHolder 3"/>
           <p:cNvSpPr>
             <a:spLocks noGrp="1"/>
           </p:cNvSpPr>
@@ -495,8 +497,8 @@
         </p:nvSpPr>
         <p:spPr>
           <a:xfrm>
-            <a:off x="6225840" y="1825560"/>
-            <a:ext cx="5131080" cy="2075040"/>
+            <a:off x="6231600" y="1604520"/>
+            <a:ext cx="5354280" cy="1896840"/>
           </a:xfrm>
           <a:prstGeom prst="rect">
             <a:avLst/>
@@ -511,7 +513,7 @@
       </p:sp>
       <p:sp>
         <p:nvSpPr>
-          <p:cNvPr id="32" name="PlaceHolder 4"/>
+          <p:cNvPr id="29" name="PlaceHolder 4"/>
           <p:cNvSpPr>
             <a:spLocks noGrp="1"/>
           </p:cNvSpPr>
@@ -521,8 +523,8 @@
         </p:nvSpPr>
         <p:spPr>
           <a:xfrm>
-            <a:off x="6225840" y="4097880"/>
-            <a:ext cx="5131080" cy="2075040"/>
+            <a:off x="6231600" y="3681720"/>
+            <a:ext cx="5354280" cy="1896840"/>
           </a:xfrm>
           <a:prstGeom prst="rect">
             <a:avLst/>
@@ -537,7 +539,7 @@
       </p:sp>
       <p:sp>
         <p:nvSpPr>
-          <p:cNvPr id="33" name="PlaceHolder 5"/>
+          <p:cNvPr id="30" name="PlaceHolder 5"/>
           <p:cNvSpPr>
             <a:spLocks noGrp="1"/>
           </p:cNvSpPr>
@@ -547,8 +549,8 @@
         </p:nvSpPr>
         <p:spPr>
           <a:xfrm>
-            <a:off x="838080" y="4097880"/>
-            <a:ext cx="5131080" cy="2075040"/>
+            <a:off x="609480" y="3681720"/>
+            <a:ext cx="5354280" cy="1896840"/>
           </a:xfrm>
           <a:prstGeom prst="rect">
             <a:avLst/>
@@ -585,7 +587,7 @@
       </p:grpSpPr>
       <p:sp>
         <p:nvSpPr>
-          <p:cNvPr id="34" name="PlaceHolder 1"/>
+          <p:cNvPr id="31" name="PlaceHolder 1"/>
           <p:cNvSpPr>
             <a:spLocks noGrp="1"/>
           </p:cNvSpPr>
@@ -595,8 +597,8 @@
         </p:nvSpPr>
         <p:spPr>
           <a:xfrm>
-            <a:off x="838080" y="365040"/>
-            <a:ext cx="10515240" cy="1325520"/>
+            <a:off x="609480" y="273600"/>
+            <a:ext cx="10972440" cy="1145160"/>
           </a:xfrm>
           <a:prstGeom prst="rect">
             <a:avLst/>
@@ -605,13 +607,14 @@
         <p:txBody>
           <a:bodyPr anchor="ctr" bIns="0" lIns="0" rIns="0" tIns="0" wrap="none"/>
           <a:p>
-            <a:endParaRPr/>
-          </a:p>
-        </p:txBody>
-      </p:sp>
-      <p:sp>
-        <p:nvSpPr>
-          <p:cNvPr id="35" name="PlaceHolder 2"/>
+            <a:pPr algn="ctr"/>
+            <a:endParaRPr/>
+          </a:p>
+        </p:txBody>
+      </p:sp>
+      <p:sp>
+        <p:nvSpPr>
+          <p:cNvPr id="32" name="PlaceHolder 2"/>
           <p:cNvSpPr>
             <a:spLocks noGrp="1"/>
           </p:cNvSpPr>
@@ -621,8 +624,8 @@
         </p:nvSpPr>
         <p:spPr>
           <a:xfrm>
-            <a:off x="838080" y="1825560"/>
-            <a:ext cx="5131080" cy="2075040"/>
+            <a:off x="609480" y="1604520"/>
+            <a:ext cx="5354280" cy="1896840"/>
           </a:xfrm>
           <a:prstGeom prst="rect">
             <a:avLst/>
@@ -637,7 +640,7 @@
       </p:sp>
       <p:sp>
         <p:nvSpPr>
-          <p:cNvPr id="36" name="PlaceHolder 3"/>
+          <p:cNvPr id="33" name="PlaceHolder 3"/>
           <p:cNvSpPr>
             <a:spLocks noGrp="1"/>
           </p:cNvSpPr>
@@ -647,8 +650,8 @@
         </p:nvSpPr>
         <p:spPr>
           <a:xfrm>
-            <a:off x="6225840" y="1825560"/>
-            <a:ext cx="5131080" cy="2075040"/>
+            <a:off x="6231600" y="1604520"/>
+            <a:ext cx="5354280" cy="1896840"/>
           </a:xfrm>
           <a:prstGeom prst="rect">
             <a:avLst/>
@@ -707,7 +710,7 @@
       </p:grpSpPr>
       <p:sp>
         <p:nvSpPr>
-          <p:cNvPr id="42" name="PlaceHolder 1"/>
+          <p:cNvPr id="36" name="PlaceHolder 1"/>
           <p:cNvSpPr>
             <a:spLocks noGrp="1"/>
           </p:cNvSpPr>
@@ -717,8 +720,8 @@
         </p:nvSpPr>
         <p:spPr>
           <a:xfrm>
-            <a:off x="838080" y="365040"/>
-            <a:ext cx="10515240" cy="1325520"/>
+            <a:off x="609480" y="273600"/>
+            <a:ext cx="10972440" cy="1145160"/>
           </a:xfrm>
           <a:prstGeom prst="rect">
             <a:avLst/>
@@ -727,13 +730,14 @@
         <p:txBody>
           <a:bodyPr anchor="ctr" bIns="0" lIns="0" rIns="0" tIns="0" wrap="none"/>
           <a:p>
-            <a:endParaRPr/>
-          </a:p>
-        </p:txBody>
-      </p:sp>
-      <p:sp>
-        <p:nvSpPr>
-          <p:cNvPr id="43" name="PlaceHolder 2"/>
+            <a:pPr algn="ctr"/>
+            <a:endParaRPr/>
+          </a:p>
+        </p:txBody>
+      </p:sp>
+      <p:sp>
+        <p:nvSpPr>
+          <p:cNvPr id="37" name="PlaceHolder 2"/>
           <p:cNvSpPr>
             <a:spLocks noGrp="1"/>
           </p:cNvSpPr>
@@ -743,8 +747,8 @@
         </p:nvSpPr>
         <p:spPr>
           <a:xfrm>
-            <a:off x="838080" y="1825560"/>
-            <a:ext cx="10515240" cy="4351320"/>
+            <a:off x="609480" y="1604520"/>
+            <a:ext cx="10972440" cy="3977640"/>
           </a:xfrm>
           <a:prstGeom prst="rect">
             <a:avLst/>
@@ -782,7 +786,7 @@
       </p:grpSpPr>
       <p:sp>
         <p:nvSpPr>
-          <p:cNvPr id="44" name="PlaceHolder 1"/>
+          <p:cNvPr id="38" name="PlaceHolder 1"/>
           <p:cNvSpPr>
             <a:spLocks noGrp="1"/>
           </p:cNvSpPr>
@@ -792,8 +796,8 @@
         </p:nvSpPr>
         <p:spPr>
           <a:xfrm>
-            <a:off x="838080" y="365040"/>
-            <a:ext cx="10515240" cy="1325520"/>
+            <a:off x="609480" y="273600"/>
+            <a:ext cx="10972440" cy="1145160"/>
           </a:xfrm>
           <a:prstGeom prst="rect">
             <a:avLst/>
@@ -802,13 +806,14 @@
         <p:txBody>
           <a:bodyPr anchor="ctr" bIns="0" lIns="0" rIns="0" tIns="0" wrap="none"/>
           <a:p>
-            <a:endParaRPr/>
-          </a:p>
-        </p:txBody>
-      </p:sp>
-      <p:sp>
-        <p:nvSpPr>
-          <p:cNvPr id="45" name="PlaceHolder 2"/>
+            <a:pPr algn="ctr"/>
+            <a:endParaRPr/>
+          </a:p>
+        </p:txBody>
+      </p:sp>
+      <p:sp>
+        <p:nvSpPr>
+          <p:cNvPr id="39" name="PlaceHolder 2"/>
           <p:cNvSpPr>
             <a:spLocks noGrp="1"/>
           </p:cNvSpPr>
@@ -818,8 +823,8 @@
         </p:nvSpPr>
         <p:spPr>
           <a:xfrm>
-            <a:off x="838080" y="1825560"/>
-            <a:ext cx="10515240" cy="4350960"/>
+            <a:off x="609480" y="1604520"/>
+            <a:ext cx="10972440" cy="3977280"/>
           </a:xfrm>
           <a:prstGeom prst="rect">
             <a:avLst/>
@@ -856,7 +861,7 @@
       </p:grpSpPr>
       <p:sp>
         <p:nvSpPr>
-          <p:cNvPr id="46" name="PlaceHolder 1"/>
+          <p:cNvPr id="40" name="PlaceHolder 1"/>
           <p:cNvSpPr>
             <a:spLocks noGrp="1"/>
           </p:cNvSpPr>
@@ -866,8 +871,8 @@
         </p:nvSpPr>
         <p:spPr>
           <a:xfrm>
-            <a:off x="838080" y="365040"/>
-            <a:ext cx="10515240" cy="1325520"/>
+            <a:off x="609480" y="273600"/>
+            <a:ext cx="10972440" cy="1145160"/>
           </a:xfrm>
           <a:prstGeom prst="rect">
             <a:avLst/>
@@ -876,13 +881,14 @@
         <p:txBody>
           <a:bodyPr anchor="ctr" bIns="0" lIns="0" rIns="0" tIns="0" wrap="none"/>
           <a:p>
-            <a:endParaRPr/>
-          </a:p>
-        </p:txBody>
-      </p:sp>
-      <p:sp>
-        <p:nvSpPr>
-          <p:cNvPr id="47" name="PlaceHolder 2"/>
+            <a:pPr algn="ctr"/>
+            <a:endParaRPr/>
+          </a:p>
+        </p:txBody>
+      </p:sp>
+      <p:sp>
+        <p:nvSpPr>
+          <p:cNvPr id="41" name="PlaceHolder 2"/>
           <p:cNvSpPr>
             <a:spLocks noGrp="1"/>
           </p:cNvSpPr>
@@ -892,8 +898,8 @@
         </p:nvSpPr>
         <p:spPr>
           <a:xfrm>
-            <a:off x="838080" y="1825560"/>
-            <a:ext cx="5131080" cy="4350960"/>
+            <a:off x="609480" y="1604520"/>
+            <a:ext cx="5354280" cy="3977280"/>
           </a:xfrm>
           <a:prstGeom prst="rect">
             <a:avLst/>
@@ -908,7 +914,7 @@
       </p:sp>
       <p:sp>
         <p:nvSpPr>
-          <p:cNvPr id="48" name="PlaceHolder 3"/>
+          <p:cNvPr id="42" name="PlaceHolder 3"/>
           <p:cNvSpPr>
             <a:spLocks noGrp="1"/>
           </p:cNvSpPr>
@@ -918,8 +924,8 @@
         </p:nvSpPr>
         <p:spPr>
           <a:xfrm>
-            <a:off x="6225840" y="1825560"/>
-            <a:ext cx="5131080" cy="4350960"/>
+            <a:off x="6231600" y="1604520"/>
+            <a:ext cx="5354280" cy="3977280"/>
           </a:xfrm>
           <a:prstGeom prst="rect">
             <a:avLst/>
@@ -956,7 +962,7 @@
       </p:grpSpPr>
       <p:sp>
         <p:nvSpPr>
-          <p:cNvPr id="49" name="PlaceHolder 1"/>
+          <p:cNvPr id="43" name="PlaceHolder 1"/>
           <p:cNvSpPr>
             <a:spLocks noGrp="1"/>
           </p:cNvSpPr>
@@ -966,8 +972,8 @@
         </p:nvSpPr>
         <p:spPr>
           <a:xfrm>
-            <a:off x="838080" y="365040"/>
-            <a:ext cx="10515240" cy="1325520"/>
+            <a:off x="609480" y="273600"/>
+            <a:ext cx="10972440" cy="1145160"/>
           </a:xfrm>
           <a:prstGeom prst="rect">
             <a:avLst/>
@@ -976,6 +982,7 @@
         <p:txBody>
           <a:bodyPr anchor="ctr" bIns="0" lIns="0" rIns="0" tIns="0" wrap="none"/>
           <a:p>
+            <a:pPr algn="ctr"/>
             <a:endParaRPr/>
           </a:p>
         </p:txBody>
@@ -1004,7 +1011,7 @@
       </p:grpSpPr>
       <p:sp>
         <p:nvSpPr>
-          <p:cNvPr id="50" name="PlaceHolder 1"/>
+          <p:cNvPr id="44" name="PlaceHolder 1"/>
           <p:cNvSpPr>
             <a:spLocks noGrp="1"/>
           </p:cNvSpPr>
@@ -1014,8 +1021,8 @@
         </p:nvSpPr>
         <p:spPr>
           <a:xfrm>
-            <a:off x="838080" y="365040"/>
-            <a:ext cx="10515240" cy="5811480"/>
+            <a:off x="609480" y="273600"/>
+            <a:ext cx="10972440" cy="5308200"/>
           </a:xfrm>
           <a:prstGeom prst="rect">
             <a:avLst/>
@@ -1053,7 +1060,7 @@
       </p:grpSpPr>
       <p:sp>
         <p:nvSpPr>
-          <p:cNvPr id="51" name="PlaceHolder 1"/>
+          <p:cNvPr id="45" name="PlaceHolder 1"/>
           <p:cNvSpPr>
             <a:spLocks noGrp="1"/>
           </p:cNvSpPr>
@@ -1063,8 +1070,8 @@
         </p:nvSpPr>
         <p:spPr>
           <a:xfrm>
-            <a:off x="838080" y="365040"/>
-            <a:ext cx="10515240" cy="1325520"/>
+            <a:off x="609480" y="273600"/>
+            <a:ext cx="10972440" cy="1145160"/>
           </a:xfrm>
           <a:prstGeom prst="rect">
             <a:avLst/>
@@ -1073,13 +1080,14 @@
         <p:txBody>
           <a:bodyPr anchor="ctr" bIns="0" lIns="0" rIns="0" tIns="0" wrap="none"/>
           <a:p>
-            <a:endParaRPr/>
-          </a:p>
-        </p:txBody>
-      </p:sp>
-      <p:sp>
-        <p:nvSpPr>
-          <p:cNvPr id="52" name="PlaceHolder 2"/>
+            <a:pPr algn="ctr"/>
+            <a:endParaRPr/>
+          </a:p>
+        </p:txBody>
+      </p:sp>
+      <p:sp>
+        <p:nvSpPr>
+          <p:cNvPr id="46" name="PlaceHolder 2"/>
           <p:cNvSpPr>
             <a:spLocks noGrp="1"/>
           </p:cNvSpPr>
@@ -1089,8 +1097,8 @@
         </p:nvSpPr>
         <p:spPr>
           <a:xfrm>
-            <a:off x="838080" y="1825560"/>
-            <a:ext cx="5131080" cy="2075040"/>
+            <a:off x="609480" y="1604520"/>
+            <a:ext cx="5354280" cy="1896840"/>
           </a:xfrm>
           <a:prstGeom prst="rect">
             <a:avLst/>
@@ -1105,7 +1113,7 @@
       </p:sp>
       <p:sp>
         <p:nvSpPr>
-          <p:cNvPr id="53" name="PlaceHolder 3"/>
+          <p:cNvPr id="47" name="PlaceHolder 3"/>
           <p:cNvSpPr>
             <a:spLocks noGrp="1"/>
           </p:cNvSpPr>
@@ -1115,8 +1123,8 @@
         </p:nvSpPr>
         <p:spPr>
           <a:xfrm>
-            <a:off x="838080" y="4097880"/>
-            <a:ext cx="5131080" cy="2075040"/>
+            <a:off x="609480" y="3681720"/>
+            <a:ext cx="5354280" cy="1896840"/>
           </a:xfrm>
           <a:prstGeom prst="rect">
             <a:avLst/>
@@ -1131,7 +1139,7 @@
       </p:sp>
       <p:sp>
         <p:nvSpPr>
-          <p:cNvPr id="54" name="PlaceHolder 4"/>
+          <p:cNvPr id="48" name="PlaceHolder 4"/>
           <p:cNvSpPr>
             <a:spLocks noGrp="1"/>
           </p:cNvSpPr>
@@ -1141,8 +1149,8 @@
         </p:nvSpPr>
         <p:spPr>
           <a:xfrm>
-            <a:off x="6225840" y="1825560"/>
-            <a:ext cx="5131080" cy="4350960"/>
+            <a:off x="6231600" y="1604520"/>
+            <a:ext cx="5354280" cy="3977280"/>
           </a:xfrm>
           <a:prstGeom prst="rect">
             <a:avLst/>
@@ -1179,7 +1187,7 @@
       </p:grpSpPr>
       <p:sp>
         <p:nvSpPr>
-          <p:cNvPr id="5" name="PlaceHolder 1"/>
+          <p:cNvPr id="2" name="PlaceHolder 1"/>
           <p:cNvSpPr>
             <a:spLocks noGrp="1"/>
           </p:cNvSpPr>
@@ -1189,8 +1197,8 @@
         </p:nvSpPr>
         <p:spPr>
           <a:xfrm>
-            <a:off x="838080" y="365040"/>
-            <a:ext cx="10515240" cy="1325520"/>
+            <a:off x="609480" y="273600"/>
+            <a:ext cx="10972440" cy="1145160"/>
           </a:xfrm>
           <a:prstGeom prst="rect">
             <a:avLst/>
@@ -1199,13 +1207,14 @@
         <p:txBody>
           <a:bodyPr anchor="ctr" bIns="0" lIns="0" rIns="0" tIns="0" wrap="none"/>
           <a:p>
-            <a:endParaRPr/>
-          </a:p>
-        </p:txBody>
-      </p:sp>
-      <p:sp>
-        <p:nvSpPr>
-          <p:cNvPr id="6" name="PlaceHolder 2"/>
+            <a:pPr algn="ctr"/>
+            <a:endParaRPr/>
+          </a:p>
+        </p:txBody>
+      </p:sp>
+      <p:sp>
+        <p:nvSpPr>
+          <p:cNvPr id="3" name="PlaceHolder 2"/>
           <p:cNvSpPr>
             <a:spLocks noGrp="1"/>
           </p:cNvSpPr>
@@ -1215,8 +1224,8 @@
         </p:nvSpPr>
         <p:spPr>
           <a:xfrm>
-            <a:off x="838080" y="1825560"/>
-            <a:ext cx="10515240" cy="4351320"/>
+            <a:off x="609480" y="1604520"/>
+            <a:ext cx="10972440" cy="3977640"/>
           </a:xfrm>
           <a:prstGeom prst="rect">
             <a:avLst/>
@@ -1254,7 +1263,7 @@
       </p:grpSpPr>
       <p:sp>
         <p:nvSpPr>
-          <p:cNvPr id="55" name="PlaceHolder 1"/>
+          <p:cNvPr id="49" name="PlaceHolder 1"/>
           <p:cNvSpPr>
             <a:spLocks noGrp="1"/>
           </p:cNvSpPr>
@@ -1264,8 +1273,8 @@
         </p:nvSpPr>
         <p:spPr>
           <a:xfrm>
-            <a:off x="838080" y="365040"/>
-            <a:ext cx="10515240" cy="1325520"/>
+            <a:off x="609480" y="273600"/>
+            <a:ext cx="10972440" cy="1145160"/>
           </a:xfrm>
           <a:prstGeom prst="rect">
             <a:avLst/>
@@ -1274,13 +1283,14 @@
         <p:txBody>
           <a:bodyPr anchor="ctr" bIns="0" lIns="0" rIns="0" tIns="0" wrap="none"/>
           <a:p>
-            <a:endParaRPr/>
-          </a:p>
-        </p:txBody>
-      </p:sp>
-      <p:sp>
-        <p:nvSpPr>
-          <p:cNvPr id="56" name="PlaceHolder 2"/>
+            <a:pPr algn="ctr"/>
+            <a:endParaRPr/>
+          </a:p>
+        </p:txBody>
+      </p:sp>
+      <p:sp>
+        <p:nvSpPr>
+          <p:cNvPr id="50" name="PlaceHolder 2"/>
           <p:cNvSpPr>
             <a:spLocks noGrp="1"/>
           </p:cNvSpPr>
@@ -1290,8 +1300,8 @@
         </p:nvSpPr>
         <p:spPr>
           <a:xfrm>
-            <a:off x="838080" y="1825560"/>
-            <a:ext cx="5131080" cy="4350960"/>
+            <a:off x="609480" y="1604520"/>
+            <a:ext cx="5354280" cy="3977280"/>
           </a:xfrm>
           <a:prstGeom prst="rect">
             <a:avLst/>
@@ -1306,7 +1316,7 @@
       </p:sp>
       <p:sp>
         <p:nvSpPr>
-          <p:cNvPr id="57" name="PlaceHolder 3"/>
+          <p:cNvPr id="51" name="PlaceHolder 3"/>
           <p:cNvSpPr>
             <a:spLocks noGrp="1"/>
           </p:cNvSpPr>
@@ -1316,8 +1326,8 @@
         </p:nvSpPr>
         <p:spPr>
           <a:xfrm>
-            <a:off x="6225840" y="1825560"/>
-            <a:ext cx="5131080" cy="2075040"/>
+            <a:off x="6231600" y="1604520"/>
+            <a:ext cx="5354280" cy="1896840"/>
           </a:xfrm>
           <a:prstGeom prst="rect">
             <a:avLst/>
@@ -1332,7 +1342,7 @@
       </p:sp>
       <p:sp>
         <p:nvSpPr>
-          <p:cNvPr id="58" name="PlaceHolder 4"/>
+          <p:cNvPr id="52" name="PlaceHolder 4"/>
           <p:cNvSpPr>
             <a:spLocks noGrp="1"/>
           </p:cNvSpPr>
@@ -1342,8 +1352,8 @@
         </p:nvSpPr>
         <p:spPr>
           <a:xfrm>
-            <a:off x="6225840" y="4097880"/>
-            <a:ext cx="5131080" cy="2075040"/>
+            <a:off x="6231600" y="3681720"/>
+            <a:ext cx="5354280" cy="1896840"/>
           </a:xfrm>
           <a:prstGeom prst="rect">
             <a:avLst/>
@@ -1380,7 +1390,7 @@
       </p:grpSpPr>
       <p:sp>
         <p:nvSpPr>
-          <p:cNvPr id="59" name="PlaceHolder 1"/>
+          <p:cNvPr id="53" name="PlaceHolder 1"/>
           <p:cNvSpPr>
             <a:spLocks noGrp="1"/>
           </p:cNvSpPr>
@@ -1390,8 +1400,8 @@
         </p:nvSpPr>
         <p:spPr>
           <a:xfrm>
-            <a:off x="838080" y="365040"/>
-            <a:ext cx="10515240" cy="1325520"/>
+            <a:off x="609480" y="273600"/>
+            <a:ext cx="10972440" cy="1145160"/>
           </a:xfrm>
           <a:prstGeom prst="rect">
             <a:avLst/>
@@ -1400,13 +1410,14 @@
         <p:txBody>
           <a:bodyPr anchor="ctr" bIns="0" lIns="0" rIns="0" tIns="0" wrap="none"/>
           <a:p>
-            <a:endParaRPr/>
-          </a:p>
-        </p:txBody>
-      </p:sp>
-      <p:sp>
-        <p:nvSpPr>
-          <p:cNvPr id="60" name="PlaceHolder 2"/>
+            <a:pPr algn="ctr"/>
+            <a:endParaRPr/>
+          </a:p>
+        </p:txBody>
+      </p:sp>
+      <p:sp>
+        <p:nvSpPr>
+          <p:cNvPr id="54" name="PlaceHolder 2"/>
           <p:cNvSpPr>
             <a:spLocks noGrp="1"/>
           </p:cNvSpPr>
@@ -1416,8 +1427,8 @@
         </p:nvSpPr>
         <p:spPr>
           <a:xfrm>
-            <a:off x="838080" y="1825560"/>
-            <a:ext cx="5131080" cy="2075040"/>
+            <a:off x="609480" y="1604520"/>
+            <a:ext cx="5354280" cy="1896840"/>
           </a:xfrm>
           <a:prstGeom prst="rect">
             <a:avLst/>
@@ -1432,7 +1443,7 @@
       </p:sp>
       <p:sp>
         <p:nvSpPr>
-          <p:cNvPr id="61" name="PlaceHolder 3"/>
+          <p:cNvPr id="55" name="PlaceHolder 3"/>
           <p:cNvSpPr>
             <a:spLocks noGrp="1"/>
           </p:cNvSpPr>
@@ -1442,8 +1453,8 @@
         </p:nvSpPr>
         <p:spPr>
           <a:xfrm>
-            <a:off x="6225840" y="1825560"/>
-            <a:ext cx="5131080" cy="2075040"/>
+            <a:off x="6231600" y="1604520"/>
+            <a:ext cx="5354280" cy="1896840"/>
           </a:xfrm>
           <a:prstGeom prst="rect">
             <a:avLst/>
@@ -1458,7 +1469,7 @@
       </p:sp>
       <p:sp>
         <p:nvSpPr>
-          <p:cNvPr id="62" name="PlaceHolder 4"/>
+          <p:cNvPr id="56" name="PlaceHolder 4"/>
           <p:cNvSpPr>
             <a:spLocks noGrp="1"/>
           </p:cNvSpPr>
@@ -1468,8 +1479,8 @@
         </p:nvSpPr>
         <p:spPr>
           <a:xfrm>
-            <a:off x="838080" y="4097880"/>
-            <a:ext cx="10514880" cy="2075040"/>
+            <a:off x="609480" y="3681720"/>
+            <a:ext cx="10972080" cy="1896840"/>
           </a:xfrm>
           <a:prstGeom prst="rect">
             <a:avLst/>
@@ -1506,7 +1517,7 @@
       </p:grpSpPr>
       <p:sp>
         <p:nvSpPr>
-          <p:cNvPr id="63" name="PlaceHolder 1"/>
+          <p:cNvPr id="57" name="PlaceHolder 1"/>
           <p:cNvSpPr>
             <a:spLocks noGrp="1"/>
           </p:cNvSpPr>
@@ -1516,8 +1527,8 @@
         </p:nvSpPr>
         <p:spPr>
           <a:xfrm>
-            <a:off x="838080" y="365040"/>
-            <a:ext cx="10515240" cy="1325520"/>
+            <a:off x="609480" y="273600"/>
+            <a:ext cx="10972440" cy="1145160"/>
           </a:xfrm>
           <a:prstGeom prst="rect">
             <a:avLst/>
@@ -1526,13 +1537,14 @@
         <p:txBody>
           <a:bodyPr anchor="ctr" bIns="0" lIns="0" rIns="0" tIns="0" wrap="none"/>
           <a:p>
-            <a:endParaRPr/>
-          </a:p>
-        </p:txBody>
-      </p:sp>
-      <p:sp>
-        <p:nvSpPr>
-          <p:cNvPr id="64" name="PlaceHolder 2"/>
+            <a:pPr algn="ctr"/>
+            <a:endParaRPr/>
+          </a:p>
+        </p:txBody>
+      </p:sp>
+      <p:sp>
+        <p:nvSpPr>
+          <p:cNvPr id="58" name="PlaceHolder 2"/>
           <p:cNvSpPr>
             <a:spLocks noGrp="1"/>
           </p:cNvSpPr>
@@ -1542,8 +1554,8 @@
         </p:nvSpPr>
         <p:spPr>
           <a:xfrm>
-            <a:off x="838080" y="1825560"/>
-            <a:ext cx="10515240" cy="2075040"/>
+            <a:off x="609480" y="1604520"/>
+            <a:ext cx="10972440" cy="1896840"/>
           </a:xfrm>
           <a:prstGeom prst="rect">
             <a:avLst/>
@@ -1558,7 +1570,7 @@
       </p:sp>
       <p:sp>
         <p:nvSpPr>
-          <p:cNvPr id="65" name="PlaceHolder 3"/>
+          <p:cNvPr id="59" name="PlaceHolder 3"/>
           <p:cNvSpPr>
             <a:spLocks noGrp="1"/>
           </p:cNvSpPr>
@@ -1568,8 +1580,8 @@
         </p:nvSpPr>
         <p:spPr>
           <a:xfrm>
-            <a:off x="838080" y="4097880"/>
-            <a:ext cx="10515240" cy="2075040"/>
+            <a:off x="609480" y="3681720"/>
+            <a:ext cx="10972440" cy="1896840"/>
           </a:xfrm>
           <a:prstGeom prst="rect">
             <a:avLst/>
@@ -1606,7 +1618,7 @@
       </p:grpSpPr>
       <p:sp>
         <p:nvSpPr>
-          <p:cNvPr id="66" name="PlaceHolder 1"/>
+          <p:cNvPr id="60" name="PlaceHolder 1"/>
           <p:cNvSpPr>
             <a:spLocks noGrp="1"/>
           </p:cNvSpPr>
@@ -1616,8 +1628,8 @@
         </p:nvSpPr>
         <p:spPr>
           <a:xfrm>
-            <a:off x="838080" y="365040"/>
-            <a:ext cx="10515240" cy="1325520"/>
+            <a:off x="609480" y="273600"/>
+            <a:ext cx="10972440" cy="1145160"/>
           </a:xfrm>
           <a:prstGeom prst="rect">
             <a:avLst/>
@@ -1626,13 +1638,14 @@
         <p:txBody>
           <a:bodyPr anchor="ctr" bIns="0" lIns="0" rIns="0" tIns="0" wrap="none"/>
           <a:p>
-            <a:endParaRPr/>
-          </a:p>
-        </p:txBody>
-      </p:sp>
-      <p:sp>
-        <p:nvSpPr>
-          <p:cNvPr id="67" name="PlaceHolder 2"/>
+            <a:pPr algn="ctr"/>
+            <a:endParaRPr/>
+          </a:p>
+        </p:txBody>
+      </p:sp>
+      <p:sp>
+        <p:nvSpPr>
+          <p:cNvPr id="61" name="PlaceHolder 2"/>
           <p:cNvSpPr>
             <a:spLocks noGrp="1"/>
           </p:cNvSpPr>
@@ -1642,8 +1655,8 @@
         </p:nvSpPr>
         <p:spPr>
           <a:xfrm>
-            <a:off x="838080" y="1825560"/>
-            <a:ext cx="5131080" cy="2075040"/>
+            <a:off x="609480" y="1604520"/>
+            <a:ext cx="5354280" cy="1896840"/>
           </a:xfrm>
           <a:prstGeom prst="rect">
             <a:avLst/>
@@ -1658,7 +1671,7 @@
       </p:sp>
       <p:sp>
         <p:nvSpPr>
-          <p:cNvPr id="68" name="PlaceHolder 3"/>
+          <p:cNvPr id="62" name="PlaceHolder 3"/>
           <p:cNvSpPr>
             <a:spLocks noGrp="1"/>
           </p:cNvSpPr>
@@ -1668,8 +1681,8 @@
         </p:nvSpPr>
         <p:spPr>
           <a:xfrm>
-            <a:off x="6225840" y="1825560"/>
-            <a:ext cx="5131080" cy="2075040"/>
+            <a:off x="6231600" y="1604520"/>
+            <a:ext cx="5354280" cy="1896840"/>
           </a:xfrm>
           <a:prstGeom prst="rect">
             <a:avLst/>
@@ -1684,7 +1697,7 @@
       </p:sp>
       <p:sp>
         <p:nvSpPr>
-          <p:cNvPr id="69" name="PlaceHolder 4"/>
+          <p:cNvPr id="63" name="PlaceHolder 4"/>
           <p:cNvSpPr>
             <a:spLocks noGrp="1"/>
           </p:cNvSpPr>
@@ -1694,8 +1707,8 @@
         </p:nvSpPr>
         <p:spPr>
           <a:xfrm>
-            <a:off x="6225840" y="4097880"/>
-            <a:ext cx="5131080" cy="2075040"/>
+            <a:off x="6231600" y="3681720"/>
+            <a:ext cx="5354280" cy="1896840"/>
           </a:xfrm>
           <a:prstGeom prst="rect">
             <a:avLst/>
@@ -1710,7 +1723,7 @@
       </p:sp>
       <p:sp>
         <p:nvSpPr>
-          <p:cNvPr id="70" name="PlaceHolder 5"/>
+          <p:cNvPr id="64" name="PlaceHolder 5"/>
           <p:cNvSpPr>
             <a:spLocks noGrp="1"/>
           </p:cNvSpPr>
@@ -1720,8 +1733,8 @@
         </p:nvSpPr>
         <p:spPr>
           <a:xfrm>
-            <a:off x="838080" y="4097880"/>
-            <a:ext cx="5131080" cy="2075040"/>
+            <a:off x="609480" y="3681720"/>
+            <a:ext cx="5354280" cy="1896840"/>
           </a:xfrm>
           <a:prstGeom prst="rect">
             <a:avLst/>
@@ -1758,7 +1771,7 @@
       </p:grpSpPr>
       <p:sp>
         <p:nvSpPr>
-          <p:cNvPr id="71" name="PlaceHolder 1"/>
+          <p:cNvPr id="65" name="PlaceHolder 1"/>
           <p:cNvSpPr>
             <a:spLocks noGrp="1"/>
           </p:cNvSpPr>
@@ -1768,8 +1781,8 @@
         </p:nvSpPr>
         <p:spPr>
           <a:xfrm>
-            <a:off x="838080" y="365040"/>
-            <a:ext cx="10515240" cy="1325520"/>
+            <a:off x="609480" y="273600"/>
+            <a:ext cx="10972440" cy="1145160"/>
           </a:xfrm>
           <a:prstGeom prst="rect">
             <a:avLst/>
@@ -1778,13 +1791,14 @@
         <p:txBody>
           <a:bodyPr anchor="ctr" bIns="0" lIns="0" rIns="0" tIns="0" wrap="none"/>
           <a:p>
-            <a:endParaRPr/>
-          </a:p>
-        </p:txBody>
-      </p:sp>
-      <p:sp>
-        <p:nvSpPr>
-          <p:cNvPr id="72" name="PlaceHolder 2"/>
+            <a:pPr algn="ctr"/>
+            <a:endParaRPr/>
+          </a:p>
+        </p:txBody>
+      </p:sp>
+      <p:sp>
+        <p:nvSpPr>
+          <p:cNvPr id="66" name="PlaceHolder 2"/>
           <p:cNvSpPr>
             <a:spLocks noGrp="1"/>
           </p:cNvSpPr>
@@ -1794,8 +1808,8 @@
         </p:nvSpPr>
         <p:spPr>
           <a:xfrm>
-            <a:off x="838080" y="1825560"/>
-            <a:ext cx="5131080" cy="2075040"/>
+            <a:off x="609480" y="1604520"/>
+            <a:ext cx="5354280" cy="1896840"/>
           </a:xfrm>
           <a:prstGeom prst="rect">
             <a:avLst/>
@@ -1810,7 +1824,7 @@
       </p:sp>
       <p:sp>
         <p:nvSpPr>
-          <p:cNvPr id="73" name="PlaceHolder 3"/>
+          <p:cNvPr id="67" name="PlaceHolder 3"/>
           <p:cNvSpPr>
             <a:spLocks noGrp="1"/>
           </p:cNvSpPr>
@@ -1820,8 +1834,8 @@
         </p:nvSpPr>
         <p:spPr>
           <a:xfrm>
-            <a:off x="6225840" y="1825560"/>
-            <a:ext cx="5131080" cy="2075040"/>
+            <a:off x="6231600" y="1604520"/>
+            <a:ext cx="5354280" cy="1896840"/>
           </a:xfrm>
           <a:prstGeom prst="rect">
             <a:avLst/>
@@ -1858,7 +1872,7 @@
       </p:grpSpPr>
       <p:sp>
         <p:nvSpPr>
-          <p:cNvPr id="7" name="PlaceHolder 1"/>
+          <p:cNvPr id="4" name="PlaceHolder 1"/>
           <p:cNvSpPr>
             <a:spLocks noGrp="1"/>
           </p:cNvSpPr>
@@ -1868,8 +1882,8 @@
         </p:nvSpPr>
         <p:spPr>
           <a:xfrm>
-            <a:off x="838080" y="365040"/>
-            <a:ext cx="10515240" cy="1325520"/>
+            <a:off x="609480" y="273600"/>
+            <a:ext cx="10972440" cy="1145160"/>
           </a:xfrm>
           <a:prstGeom prst="rect">
             <a:avLst/>
@@ -1878,13 +1892,14 @@
         <p:txBody>
           <a:bodyPr anchor="ctr" bIns="0" lIns="0" rIns="0" tIns="0" wrap="none"/>
           <a:p>
-            <a:endParaRPr/>
-          </a:p>
-        </p:txBody>
-      </p:sp>
-      <p:sp>
-        <p:nvSpPr>
-          <p:cNvPr id="8" name="PlaceHolder 2"/>
+            <a:pPr algn="ctr"/>
+            <a:endParaRPr/>
+          </a:p>
+        </p:txBody>
+      </p:sp>
+      <p:sp>
+        <p:nvSpPr>
+          <p:cNvPr id="5" name="PlaceHolder 2"/>
           <p:cNvSpPr>
             <a:spLocks noGrp="1"/>
           </p:cNvSpPr>
@@ -1894,8 +1909,8 @@
         </p:nvSpPr>
         <p:spPr>
           <a:xfrm>
-            <a:off x="838080" y="1825560"/>
-            <a:ext cx="10515240" cy="4350960"/>
+            <a:off x="609480" y="1604520"/>
+            <a:ext cx="10972440" cy="3977280"/>
           </a:xfrm>
           <a:prstGeom prst="rect">
             <a:avLst/>
@@ -1932,7 +1947,7 @@
       </p:grpSpPr>
       <p:sp>
         <p:nvSpPr>
-          <p:cNvPr id="9" name="PlaceHolder 1"/>
+          <p:cNvPr id="6" name="PlaceHolder 1"/>
           <p:cNvSpPr>
             <a:spLocks noGrp="1"/>
           </p:cNvSpPr>
@@ -1942,8 +1957,8 @@
         </p:nvSpPr>
         <p:spPr>
           <a:xfrm>
-            <a:off x="838080" y="365040"/>
-            <a:ext cx="10515240" cy="1325520"/>
+            <a:off x="609480" y="273600"/>
+            <a:ext cx="10972440" cy="1145160"/>
           </a:xfrm>
           <a:prstGeom prst="rect">
             <a:avLst/>
@@ -1952,13 +1967,14 @@
         <p:txBody>
           <a:bodyPr anchor="ctr" bIns="0" lIns="0" rIns="0" tIns="0" wrap="none"/>
           <a:p>
-            <a:endParaRPr/>
-          </a:p>
-        </p:txBody>
-      </p:sp>
-      <p:sp>
-        <p:nvSpPr>
-          <p:cNvPr id="10" name="PlaceHolder 2"/>
+            <a:pPr algn="ctr"/>
+            <a:endParaRPr/>
+          </a:p>
+        </p:txBody>
+      </p:sp>
+      <p:sp>
+        <p:nvSpPr>
+          <p:cNvPr id="7" name="PlaceHolder 2"/>
           <p:cNvSpPr>
             <a:spLocks noGrp="1"/>
           </p:cNvSpPr>
@@ -1968,8 +1984,8 @@
         </p:nvSpPr>
         <p:spPr>
           <a:xfrm>
-            <a:off x="838080" y="1825560"/>
-            <a:ext cx="5131080" cy="4350960"/>
+            <a:off x="609480" y="1604520"/>
+            <a:ext cx="5354280" cy="3977280"/>
           </a:xfrm>
           <a:prstGeom prst="rect">
             <a:avLst/>
@@ -1984,7 +2000,7 @@
       </p:sp>
       <p:sp>
         <p:nvSpPr>
-          <p:cNvPr id="11" name="PlaceHolder 3"/>
+          <p:cNvPr id="8" name="PlaceHolder 3"/>
           <p:cNvSpPr>
             <a:spLocks noGrp="1"/>
           </p:cNvSpPr>
@@ -1994,8 +2010,8 @@
         </p:nvSpPr>
         <p:spPr>
           <a:xfrm>
-            <a:off x="6225840" y="1825560"/>
-            <a:ext cx="5131080" cy="4350960"/>
+            <a:off x="6231600" y="1604520"/>
+            <a:ext cx="5354280" cy="3977280"/>
           </a:xfrm>
           <a:prstGeom prst="rect">
             <a:avLst/>
@@ -2032,7 +2048,7 @@
       </p:grpSpPr>
       <p:sp>
         <p:nvSpPr>
-          <p:cNvPr id="12" name="PlaceHolder 1"/>
+          <p:cNvPr id="9" name="PlaceHolder 1"/>
           <p:cNvSpPr>
             <a:spLocks noGrp="1"/>
           </p:cNvSpPr>
@@ -2042,8 +2058,8 @@
         </p:nvSpPr>
         <p:spPr>
           <a:xfrm>
-            <a:off x="838080" y="365040"/>
-            <a:ext cx="10515240" cy="1325520"/>
+            <a:off x="609480" y="273600"/>
+            <a:ext cx="10972440" cy="1145160"/>
           </a:xfrm>
           <a:prstGeom prst="rect">
             <a:avLst/>
@@ -2052,6 +2068,7 @@
         <p:txBody>
           <a:bodyPr anchor="ctr" bIns="0" lIns="0" rIns="0" tIns="0" wrap="none"/>
           <a:p>
+            <a:pPr algn="ctr"/>
             <a:endParaRPr/>
           </a:p>
         </p:txBody>
@@ -2080,7 +2097,7 @@
       </p:grpSpPr>
       <p:sp>
         <p:nvSpPr>
-          <p:cNvPr id="13" name="PlaceHolder 1"/>
+          <p:cNvPr id="10" name="PlaceHolder 1"/>
           <p:cNvSpPr>
             <a:spLocks noGrp="1"/>
           </p:cNvSpPr>
@@ -2090,8 +2107,8 @@
         </p:nvSpPr>
         <p:spPr>
           <a:xfrm>
-            <a:off x="838080" y="365040"/>
-            <a:ext cx="10515240" cy="5811480"/>
+            <a:off x="609480" y="273600"/>
+            <a:ext cx="10972440" cy="5308200"/>
           </a:xfrm>
           <a:prstGeom prst="rect">
             <a:avLst/>
@@ -2129,7 +2146,7 @@
       </p:grpSpPr>
       <p:sp>
         <p:nvSpPr>
-          <p:cNvPr id="14" name="PlaceHolder 1"/>
+          <p:cNvPr id="11" name="PlaceHolder 1"/>
           <p:cNvSpPr>
             <a:spLocks noGrp="1"/>
           </p:cNvSpPr>
@@ -2139,8 +2156,8 @@
         </p:nvSpPr>
         <p:spPr>
           <a:xfrm>
-            <a:off x="838080" y="365040"/>
-            <a:ext cx="10515240" cy="1325520"/>
+            <a:off x="609480" y="273600"/>
+            <a:ext cx="10972440" cy="1145160"/>
           </a:xfrm>
           <a:prstGeom prst="rect">
             <a:avLst/>
@@ -2149,13 +2166,14 @@
         <p:txBody>
           <a:bodyPr anchor="ctr" bIns="0" lIns="0" rIns="0" tIns="0" wrap="none"/>
           <a:p>
-            <a:endParaRPr/>
-          </a:p>
-        </p:txBody>
-      </p:sp>
-      <p:sp>
-        <p:nvSpPr>
-          <p:cNvPr id="15" name="PlaceHolder 2"/>
+            <a:pPr algn="ctr"/>
+            <a:endParaRPr/>
+          </a:p>
+        </p:txBody>
+      </p:sp>
+      <p:sp>
+        <p:nvSpPr>
+          <p:cNvPr id="12" name="PlaceHolder 2"/>
           <p:cNvSpPr>
             <a:spLocks noGrp="1"/>
           </p:cNvSpPr>
@@ -2165,8 +2183,8 @@
         </p:nvSpPr>
         <p:spPr>
           <a:xfrm>
-            <a:off x="838080" y="1825560"/>
-            <a:ext cx="5131080" cy="2075040"/>
+            <a:off x="609480" y="1604520"/>
+            <a:ext cx="5354280" cy="1896840"/>
           </a:xfrm>
           <a:prstGeom prst="rect">
             <a:avLst/>
@@ -2181,7 +2199,7 @@
       </p:sp>
       <p:sp>
         <p:nvSpPr>
-          <p:cNvPr id="16" name="PlaceHolder 3"/>
+          <p:cNvPr id="13" name="PlaceHolder 3"/>
           <p:cNvSpPr>
             <a:spLocks noGrp="1"/>
           </p:cNvSpPr>
@@ -2191,8 +2209,8 @@
         </p:nvSpPr>
         <p:spPr>
           <a:xfrm>
-            <a:off x="838080" y="4097880"/>
-            <a:ext cx="5131080" cy="2075040"/>
+            <a:off x="609480" y="3681720"/>
+            <a:ext cx="5354280" cy="1896840"/>
           </a:xfrm>
           <a:prstGeom prst="rect">
             <a:avLst/>
@@ -2207,7 +2225,7 @@
       </p:sp>
       <p:sp>
         <p:nvSpPr>
-          <p:cNvPr id="17" name="PlaceHolder 4"/>
+          <p:cNvPr id="14" name="PlaceHolder 4"/>
           <p:cNvSpPr>
             <a:spLocks noGrp="1"/>
           </p:cNvSpPr>
@@ -2217,8 +2235,8 @@
         </p:nvSpPr>
         <p:spPr>
           <a:xfrm>
-            <a:off x="6225840" y="1825560"/>
-            <a:ext cx="5131080" cy="4350960"/>
+            <a:off x="6231600" y="1604520"/>
+            <a:ext cx="5354280" cy="3977280"/>
           </a:xfrm>
           <a:prstGeom prst="rect">
             <a:avLst/>
@@ -2255,7 +2273,7 @@
       </p:grpSpPr>
       <p:sp>
         <p:nvSpPr>
-          <p:cNvPr id="18" name="PlaceHolder 1"/>
+          <p:cNvPr id="15" name="PlaceHolder 1"/>
           <p:cNvSpPr>
             <a:spLocks noGrp="1"/>
           </p:cNvSpPr>
@@ -2265,8 +2283,8 @@
         </p:nvSpPr>
         <p:spPr>
           <a:xfrm>
-            <a:off x="838080" y="365040"/>
-            <a:ext cx="10515240" cy="1325520"/>
+            <a:off x="609480" y="273600"/>
+            <a:ext cx="10972440" cy="1145160"/>
           </a:xfrm>
           <a:prstGeom prst="rect">
             <a:avLst/>
@@ -2275,13 +2293,14 @@
         <p:txBody>
           <a:bodyPr anchor="ctr" bIns="0" lIns="0" rIns="0" tIns="0" wrap="none"/>
           <a:p>
-            <a:endParaRPr/>
-          </a:p>
-        </p:txBody>
-      </p:sp>
-      <p:sp>
-        <p:nvSpPr>
-          <p:cNvPr id="19" name="PlaceHolder 2"/>
+            <a:pPr algn="ctr"/>
+            <a:endParaRPr/>
+          </a:p>
+        </p:txBody>
+      </p:sp>
+      <p:sp>
+        <p:nvSpPr>
+          <p:cNvPr id="16" name="PlaceHolder 2"/>
           <p:cNvSpPr>
             <a:spLocks noGrp="1"/>
           </p:cNvSpPr>
@@ -2291,8 +2310,8 @@
         </p:nvSpPr>
         <p:spPr>
           <a:xfrm>
-            <a:off x="838080" y="1825560"/>
-            <a:ext cx="5131080" cy="4350960"/>
+            <a:off x="609480" y="1604520"/>
+            <a:ext cx="5354280" cy="3977280"/>
           </a:xfrm>
           <a:prstGeom prst="rect">
             <a:avLst/>
@@ -2307,7 +2326,7 @@
       </p:sp>
       <p:sp>
         <p:nvSpPr>
-          <p:cNvPr id="20" name="PlaceHolder 3"/>
+          <p:cNvPr id="17" name="PlaceHolder 3"/>
           <p:cNvSpPr>
             <a:spLocks noGrp="1"/>
           </p:cNvSpPr>
@@ -2317,8 +2336,8 @@
         </p:nvSpPr>
         <p:spPr>
           <a:xfrm>
-            <a:off x="6225840" y="1825560"/>
-            <a:ext cx="5131080" cy="2075040"/>
+            <a:off x="6231600" y="1604520"/>
+            <a:ext cx="5354280" cy="1896840"/>
           </a:xfrm>
           <a:prstGeom prst="rect">
             <a:avLst/>
@@ -2333,7 +2352,7 @@
       </p:sp>
       <p:sp>
         <p:nvSpPr>
-          <p:cNvPr id="21" name="PlaceHolder 4"/>
+          <p:cNvPr id="18" name="PlaceHolder 4"/>
           <p:cNvSpPr>
             <a:spLocks noGrp="1"/>
           </p:cNvSpPr>
@@ -2343,8 +2362,8 @@
         </p:nvSpPr>
         <p:spPr>
           <a:xfrm>
-            <a:off x="6225840" y="4097880"/>
-            <a:ext cx="5131080" cy="2075040"/>
+            <a:off x="6231600" y="3681720"/>
+            <a:ext cx="5354280" cy="1896840"/>
           </a:xfrm>
           <a:prstGeom prst="rect">
             <a:avLst/>
@@ -2381,7 +2400,7 @@
       </p:grpSpPr>
       <p:sp>
         <p:nvSpPr>
-          <p:cNvPr id="22" name="PlaceHolder 1"/>
+          <p:cNvPr id="19" name="PlaceHolder 1"/>
           <p:cNvSpPr>
             <a:spLocks noGrp="1"/>
           </p:cNvSpPr>
@@ -2391,8 +2410,8 @@
         </p:nvSpPr>
         <p:spPr>
           <a:xfrm>
-            <a:off x="838080" y="365040"/>
-            <a:ext cx="10515240" cy="1325520"/>
+            <a:off x="609480" y="273600"/>
+            <a:ext cx="10972440" cy="1145160"/>
           </a:xfrm>
           <a:prstGeom prst="rect">
             <a:avLst/>
@@ -2401,13 +2420,14 @@
         <p:txBody>
           <a:bodyPr anchor="ctr" bIns="0" lIns="0" rIns="0" tIns="0" wrap="none"/>
           <a:p>
-            <a:endParaRPr/>
-          </a:p>
-        </p:txBody>
-      </p:sp>
-      <p:sp>
-        <p:nvSpPr>
-          <p:cNvPr id="23" name="PlaceHolder 2"/>
+            <a:pPr algn="ctr"/>
+            <a:endParaRPr/>
+          </a:p>
+        </p:txBody>
+      </p:sp>
+      <p:sp>
+        <p:nvSpPr>
+          <p:cNvPr id="20" name="PlaceHolder 2"/>
           <p:cNvSpPr>
             <a:spLocks noGrp="1"/>
           </p:cNvSpPr>
@@ -2417,8 +2437,8 @@
         </p:nvSpPr>
         <p:spPr>
           <a:xfrm>
-            <a:off x="838080" y="1825560"/>
-            <a:ext cx="5131080" cy="2075040"/>
+            <a:off x="609480" y="1604520"/>
+            <a:ext cx="5354280" cy="1896840"/>
           </a:xfrm>
           <a:prstGeom prst="rect">
             <a:avLst/>
@@ -2433,7 +2453,7 @@
       </p:sp>
       <p:sp>
         <p:nvSpPr>
-          <p:cNvPr id="24" name="PlaceHolder 3"/>
+          <p:cNvPr id="21" name="PlaceHolder 3"/>
           <p:cNvSpPr>
             <a:spLocks noGrp="1"/>
           </p:cNvSpPr>
@@ -2443,8 +2463,8 @@
         </p:nvSpPr>
         <p:spPr>
           <a:xfrm>
-            <a:off x="6225840" y="1825560"/>
-            <a:ext cx="5131080" cy="2075040"/>
+            <a:off x="6231600" y="1604520"/>
+            <a:ext cx="5354280" cy="1896840"/>
           </a:xfrm>
           <a:prstGeom prst="rect">
             <a:avLst/>
@@ -2459,7 +2479,7 @@
       </p:sp>
       <p:sp>
         <p:nvSpPr>
-          <p:cNvPr id="25" name="PlaceHolder 4"/>
+          <p:cNvPr id="22" name="PlaceHolder 4"/>
           <p:cNvSpPr>
             <a:spLocks noGrp="1"/>
           </p:cNvSpPr>
@@ -2469,8 +2489,8 @@
         </p:nvSpPr>
         <p:spPr>
           <a:xfrm>
-            <a:off x="838080" y="4097880"/>
-            <a:ext cx="10514880" cy="2075040"/>
+            <a:off x="609480" y="3681720"/>
+            <a:ext cx="10972080" cy="1896840"/>
           </a:xfrm>
           <a:prstGeom prst="rect">
             <a:avLst/>
@@ -2517,29 +2537,19 @@
         </p:nvSpPr>
         <p:spPr>
           <a:xfrm>
-            <a:off x="1523880" y="1122480"/>
-            <a:ext cx="9143640" cy="2387160"/>
-          </a:xfrm>
-          <a:prstGeom prst="rect">
-            <a:avLst/>
-          </a:prstGeom>
-        </p:spPr>
-        <p:txBody>
-          <a:bodyPr anchor="b"/>
-          <a:p>
-            <a:pPr algn="ctr">
-              <a:lnSpc>
-                <a:spcPct val="100000"/>
-              </a:lnSpc>
-            </a:pPr>
+            <a:off x="838080" y="365040"/>
+            <a:ext cx="10514880" cy="1325160"/>
+          </a:xfrm>
+          <a:prstGeom prst="rect">
+            <a:avLst/>
+          </a:prstGeom>
+        </p:spPr>
+        <p:txBody>
+          <a:bodyPr anchor="ctr" bIns="0" lIns="0" rIns="0" tIns="0" wrap="none"/>
+          <a:p>
             <a:r>
-              <a:rPr lang="pt-BR" sz="6000">
-                <a:solidFill>
-                  <a:srgbClr val="000000"/>
-                </a:solidFill>
-                <a:latin typeface="Calibri Light"/>
-              </a:rPr>
-              <a:t>Clique para editar o formato do texto do títuloClique para editar o título mestre</a:t>
+              <a:rPr lang="pt-BR"/>
+              <a:t>Clique para editar o formato do texto do título</a:t>
             </a:r>
             <a:endParaRPr/>
           </a:p>
@@ -2548,112 +2558,6 @@
       <p:sp>
         <p:nvSpPr>
           <p:cNvPr id="1" name="PlaceHolder 2"/>
-          <p:cNvSpPr>
-            <a:spLocks noGrp="1"/>
-          </p:cNvSpPr>
-          <p:nvPr>
-            <p:ph type="dt"/>
-          </p:nvPr>
-        </p:nvSpPr>
-        <p:spPr>
-          <a:xfrm>
-            <a:off x="838080" y="6356520"/>
-            <a:ext cx="2742840" cy="364680"/>
-          </a:xfrm>
-          <a:prstGeom prst="rect">
-            <a:avLst/>
-          </a:prstGeom>
-        </p:spPr>
-        <p:txBody>
-          <a:bodyPr anchor="ctr"/>
-          <a:p>
-            <a:pPr>
-              <a:lnSpc>
-                <a:spcPct val="100000"/>
-              </a:lnSpc>
-            </a:pPr>
-            <a:r>
-              <a:rPr lang="pt-BR" sz="1200">
-                <a:solidFill>
-                  <a:srgbClr val="8b8b8b"/>
-                </a:solidFill>
-                <a:latin typeface="Calibri"/>
-              </a:rPr>
-              <a:t>01/06/13</a:t>
-            </a:r>
-            <a:endParaRPr/>
-          </a:p>
-        </p:txBody>
-      </p:sp>
-      <p:sp>
-        <p:nvSpPr>
-          <p:cNvPr id="2" name="PlaceHolder 3"/>
-          <p:cNvSpPr>
-            <a:spLocks noGrp="1"/>
-          </p:cNvSpPr>
-          <p:nvPr>
-            <p:ph type="ftr"/>
-          </p:nvPr>
-        </p:nvSpPr>
-        <p:spPr>
-          <a:xfrm>
-            <a:off x="4038480" y="6356520"/>
-            <a:ext cx="4114440" cy="364680"/>
-          </a:xfrm>
-          <a:prstGeom prst="rect">
-            <a:avLst/>
-          </a:prstGeom>
-        </p:spPr>
-        <p:txBody>
-          <a:bodyPr anchor="ctr"/>
-          <a:p>
-            <a:endParaRPr/>
-          </a:p>
-        </p:txBody>
-      </p:sp>
-      <p:sp>
-        <p:nvSpPr>
-          <p:cNvPr id="3" name="PlaceHolder 4"/>
-          <p:cNvSpPr>
-            <a:spLocks noGrp="1"/>
-          </p:cNvSpPr>
-          <p:nvPr>
-            <p:ph type="sldNum"/>
-          </p:nvPr>
-        </p:nvSpPr>
-        <p:spPr>
-          <a:xfrm>
-            <a:off x="8610480" y="6356520"/>
-            <a:ext cx="2742840" cy="364680"/>
-          </a:xfrm>
-          <a:prstGeom prst="rect">
-            <a:avLst/>
-          </a:prstGeom>
-        </p:spPr>
-        <p:txBody>
-          <a:bodyPr anchor="ctr"/>
-          <a:p>
-            <a:pPr algn="r">
-              <a:lnSpc>
-                <a:spcPct val="100000"/>
-              </a:lnSpc>
-            </a:pPr>
-            <a:fld id="{46F87857-8563-4D0E-A1EE-B51CB8744949}" type="slidenum">
-              <a:rPr lang="pt-BR" sz="1200">
-                <a:solidFill>
-                  <a:srgbClr val="8b8b8b"/>
-                </a:solidFill>
-                <a:latin typeface="Calibri"/>
-              </a:rPr>
-              <a:t>&lt;número&gt;</a:t>
-            </a:fld>
-            <a:endParaRPr/>
-          </a:p>
-        </p:txBody>
-      </p:sp>
-      <p:sp>
-        <p:nvSpPr>
-          <p:cNvPr id="4" name="PlaceHolder 5"/>
           <p:cNvSpPr>
             <a:spLocks noGrp="1"/>
           </p:cNvSpPr>
@@ -2797,7 +2701,7 @@
       </p:grpSpPr>
       <p:sp>
         <p:nvSpPr>
-          <p:cNvPr id="37" name="PlaceHolder 1"/>
+          <p:cNvPr id="34" name="PlaceHolder 1"/>
           <p:cNvSpPr>
             <a:spLocks noGrp="1"/>
           </p:cNvSpPr>
@@ -2807,29 +2711,20 @@
         </p:nvSpPr>
         <p:spPr>
           <a:xfrm>
-            <a:off x="838080" y="365040"/>
-            <a:ext cx="10515240" cy="1325160"/>
-          </a:xfrm>
-          <a:prstGeom prst="rect">
-            <a:avLst/>
-          </a:prstGeom>
-        </p:spPr>
-        <p:txBody>
-          <a:bodyPr anchor="ctr"/>
-          <a:p>
-            <a:pPr>
-              <a:lnSpc>
-                <a:spcPct val="90000"/>
-              </a:lnSpc>
-            </a:pPr>
+            <a:off x="609480" y="273600"/>
+            <a:ext cx="10972440" cy="1144800"/>
+          </a:xfrm>
+          <a:prstGeom prst="rect">
+            <a:avLst/>
+          </a:prstGeom>
+        </p:spPr>
+        <p:txBody>
+          <a:bodyPr anchor="ctr" bIns="0" lIns="0" rIns="0" tIns="0" wrap="none"/>
+          <a:p>
+            <a:pPr algn="ctr"/>
             <a:r>
-              <a:rPr lang="pt-BR" sz="4400">
-                <a:solidFill>
-                  <a:srgbClr val="000000"/>
-                </a:solidFill>
-                <a:latin typeface="Calibri Light"/>
-              </a:rPr>
-              <a:t>Clique para editar o formato do texto do títuloClique para editar o título mestre</a:t>
+              <a:rPr lang="pt-BR"/>
+              <a:t>Clique para editar o formato do texto do título</a:t>
             </a:r>
             <a:endParaRPr/>
           </a:p>
@@ -2837,7 +2732,7 @@
       </p:sp>
       <p:sp>
         <p:nvSpPr>
-          <p:cNvPr id="38" name="PlaceHolder 2"/>
+          <p:cNvPr id="35" name="PlaceHolder 2"/>
           <p:cNvSpPr>
             <a:spLocks noGrp="1"/>
           </p:cNvSpPr>
@@ -2847,15 +2742,15 @@
         </p:nvSpPr>
         <p:spPr>
           <a:xfrm>
-            <a:off x="838080" y="1825560"/>
-            <a:ext cx="10515240" cy="4350960"/>
-          </a:xfrm>
-          <a:prstGeom prst="rect">
-            <a:avLst/>
-          </a:prstGeom>
-        </p:spPr>
-        <p:txBody>
-          <a:bodyPr/>
+            <a:off x="609480" y="1604520"/>
+            <a:ext cx="10972440" cy="3977280"/>
+          </a:xfrm>
+          <a:prstGeom prst="rect">
+            <a:avLst/>
+          </a:prstGeom>
+        </p:spPr>
+        <p:txBody>
+          <a:bodyPr bIns="0" lIns="0" rIns="0" tIns="0" wrap="none"/>
           <a:p>
             <a:pPr>
               <a:buSzPct val="25000"/>
@@ -2863,12 +2758,7 @@
               <a:buChar char=""/>
             </a:pPr>
             <a:r>
-              <a:rPr lang="pt-BR" sz="2800">
-                <a:solidFill>
-                  <a:srgbClr val="000000"/>
-                </a:solidFill>
-                <a:latin typeface="Calibri"/>
-              </a:rPr>
+              <a:rPr lang="pt-BR"/>
               <a:t>Clique para editar o formato do texto da estrutura de tópicos</a:t>
             </a:r>
             <a:endParaRPr/>
@@ -2880,12 +2770,7 @@
               <a:buChar char=""/>
             </a:pPr>
             <a:r>
-              <a:rPr lang="pt-BR" sz="2800">
-                <a:solidFill>
-                  <a:srgbClr val="000000"/>
-                </a:solidFill>
-                <a:latin typeface="Calibri"/>
-              </a:rPr>
+              <a:rPr lang="pt-BR"/>
               <a:t>2.º Nível da estrutura de tópicos</a:t>
             </a:r>
             <a:endParaRPr/>
@@ -2897,12 +2782,7 @@
               <a:buChar char=""/>
             </a:pPr>
             <a:r>
-              <a:rPr lang="pt-BR" sz="2800">
-                <a:solidFill>
-                  <a:srgbClr val="000000"/>
-                </a:solidFill>
-                <a:latin typeface="Calibri"/>
-              </a:rPr>
+              <a:rPr lang="pt-BR"/>
               <a:t>3.º Nível da estrutura de tópicos</a:t>
             </a:r>
             <a:endParaRPr/>
@@ -2914,12 +2794,7 @@
               <a:buChar char=""/>
             </a:pPr>
             <a:r>
-              <a:rPr lang="pt-BR" sz="2800">
-                <a:solidFill>
-                  <a:srgbClr val="000000"/>
-                </a:solidFill>
-                <a:latin typeface="Calibri"/>
-              </a:rPr>
+              <a:rPr lang="pt-BR"/>
               <a:t>4.º Nível da estrutura de tópicos</a:t>
             </a:r>
             <a:endParaRPr/>
@@ -2931,12 +2806,7 @@
               <a:buChar char=""/>
             </a:pPr>
             <a:r>
-              <a:rPr lang="pt-BR" sz="2800">
-                <a:solidFill>
-                  <a:srgbClr val="000000"/>
-                </a:solidFill>
-                <a:latin typeface="Calibri"/>
-              </a:rPr>
+              <a:rPr lang="pt-BR"/>
               <a:t>5.º Nível da estrutura de tópicos</a:t>
             </a:r>
             <a:endParaRPr/>
@@ -2948,219 +2818,21 @@
               <a:buChar char=""/>
             </a:pPr>
             <a:r>
-              <a:rPr lang="pt-BR" sz="2800">
-                <a:solidFill>
-                  <a:srgbClr val="000000"/>
-                </a:solidFill>
-                <a:latin typeface="Calibri"/>
-              </a:rPr>
+              <a:rPr lang="pt-BR"/>
               <a:t>6.º Nível da estrutura de tópicos</a:t>
             </a:r>
             <a:endParaRPr/>
           </a:p>
           <a:p>
-            <a:pPr>
-              <a:lnSpc>
-                <a:spcPct val="100000"/>
-              </a:lnSpc>
-              <a:buFont typeface="Arial"/>
-              <a:buChar char="•"/>
-            </a:pPr>
-            <a:r>
-              <a:rPr lang="pt-BR" sz="2800">
-                <a:solidFill>
-                  <a:srgbClr val="000000"/>
-                </a:solidFill>
-                <a:latin typeface="Calibri"/>
-              </a:rPr>
-              <a:t>7.º Nível da estrutura de tópicosClique para editar o texto mestre</a:t>
-            </a:r>
-            <a:endParaRPr/>
-          </a:p>
-          <a:p>
-            <a:pPr lvl="1">
-              <a:lnSpc>
-                <a:spcPct val="100000"/>
-              </a:lnSpc>
-              <a:buSzPct val="25000"/>
-              <a:buFont typeface="StarSymbol"/>
-              <a:buChar char=""/>
-            </a:pPr>
-            <a:r>
-              <a:rPr lang="pt-BR" sz="2400">
-                <a:solidFill>
-                  <a:srgbClr val="000000"/>
-                </a:solidFill>
-                <a:latin typeface="Calibri"/>
-              </a:rPr>
-              <a:t>Segundo nível</a:t>
-            </a:r>
-            <a:endParaRPr/>
-          </a:p>
-          <a:p>
-            <a:pPr lvl="2">
-              <a:lnSpc>
-                <a:spcPct val="100000"/>
-              </a:lnSpc>
+            <a:pPr lvl="6">
               <a:buSzPct val="25000"/>
               <a:buFont typeface="StarSymbol"/>
               <a:buChar char=""/>
             </a:pPr>
             <a:r>
-              <a:rPr lang="pt-BR" sz="2000">
-                <a:solidFill>
-                  <a:srgbClr val="000000"/>
-                </a:solidFill>
-                <a:latin typeface="Calibri"/>
-              </a:rPr>
-              <a:t>Terceiro nível</a:t>
+              <a:rPr lang="pt-BR"/>
+              <a:t>7.º Nível da estrutura de tópicos</a:t>
             </a:r>
-            <a:endParaRPr/>
-          </a:p>
-          <a:p>
-            <a:pPr lvl="3">
-              <a:lnSpc>
-                <a:spcPct val="100000"/>
-              </a:lnSpc>
-              <a:buSzPct val="25000"/>
-              <a:buFont typeface="StarSymbol"/>
-              <a:buChar char=""/>
-            </a:pPr>
-            <a:r>
-              <a:rPr lang="pt-BR">
-                <a:solidFill>
-                  <a:srgbClr val="000000"/>
-                </a:solidFill>
-                <a:latin typeface="Calibri"/>
-              </a:rPr>
-              <a:t>Quarto nível</a:t>
-            </a:r>
-            <a:endParaRPr/>
-          </a:p>
-          <a:p>
-            <a:pPr lvl="4">
-              <a:lnSpc>
-                <a:spcPct val="100000"/>
-              </a:lnSpc>
-              <a:buSzPct val="25000"/>
-              <a:buFont typeface="StarSymbol"/>
-              <a:buChar char=""/>
-            </a:pPr>
-            <a:r>
-              <a:rPr lang="pt-BR">
-                <a:solidFill>
-                  <a:srgbClr val="000000"/>
-                </a:solidFill>
-                <a:latin typeface="Calibri"/>
-              </a:rPr>
-              <a:t>Quinto nível</a:t>
-            </a:r>
-            <a:endParaRPr/>
-          </a:p>
-        </p:txBody>
-      </p:sp>
-      <p:sp>
-        <p:nvSpPr>
-          <p:cNvPr id="39" name="PlaceHolder 3"/>
-          <p:cNvSpPr>
-            <a:spLocks noGrp="1"/>
-          </p:cNvSpPr>
-          <p:nvPr>
-            <p:ph type="dt"/>
-          </p:nvPr>
-        </p:nvSpPr>
-        <p:spPr>
-          <a:xfrm>
-            <a:off x="838080" y="6356520"/>
-            <a:ext cx="2742840" cy="364680"/>
-          </a:xfrm>
-          <a:prstGeom prst="rect">
-            <a:avLst/>
-          </a:prstGeom>
-        </p:spPr>
-        <p:txBody>
-          <a:bodyPr anchor="ctr"/>
-          <a:p>
-            <a:pPr>
-              <a:lnSpc>
-                <a:spcPct val="100000"/>
-              </a:lnSpc>
-            </a:pPr>
-            <a:r>
-              <a:rPr lang="pt-BR" sz="1200">
-                <a:solidFill>
-                  <a:srgbClr val="8b8b8b"/>
-                </a:solidFill>
-                <a:latin typeface="Calibri"/>
-              </a:rPr>
-              <a:t>01/06/13</a:t>
-            </a:r>
-            <a:endParaRPr/>
-          </a:p>
-        </p:txBody>
-      </p:sp>
-      <p:sp>
-        <p:nvSpPr>
-          <p:cNvPr id="40" name="PlaceHolder 4"/>
-          <p:cNvSpPr>
-            <a:spLocks noGrp="1"/>
-          </p:cNvSpPr>
-          <p:nvPr>
-            <p:ph type="ftr"/>
-          </p:nvPr>
-        </p:nvSpPr>
-        <p:spPr>
-          <a:xfrm>
-            <a:off x="4038480" y="6356520"/>
-            <a:ext cx="4114440" cy="364680"/>
-          </a:xfrm>
-          <a:prstGeom prst="rect">
-            <a:avLst/>
-          </a:prstGeom>
-        </p:spPr>
-        <p:txBody>
-          <a:bodyPr anchor="ctr"/>
-          <a:p>
-            <a:endParaRPr/>
-          </a:p>
-        </p:txBody>
-      </p:sp>
-      <p:sp>
-        <p:nvSpPr>
-          <p:cNvPr id="41" name="PlaceHolder 5"/>
-          <p:cNvSpPr>
-            <a:spLocks noGrp="1"/>
-          </p:cNvSpPr>
-          <p:nvPr>
-            <p:ph type="sldNum"/>
-          </p:nvPr>
-        </p:nvSpPr>
-        <p:spPr>
-          <a:xfrm>
-            <a:off x="8610480" y="6356520"/>
-            <a:ext cx="2742840" cy="364680"/>
-          </a:xfrm>
-          <a:prstGeom prst="rect">
-            <a:avLst/>
-          </a:prstGeom>
-        </p:spPr>
-        <p:txBody>
-          <a:bodyPr anchor="ctr"/>
-          <a:p>
-            <a:pPr algn="r">
-              <a:lnSpc>
-                <a:spcPct val="100000"/>
-              </a:lnSpc>
-            </a:pPr>
-            <a:fld id="{9C26644B-B8F2-41BA-ABBD-97C0800E05EB}" type="slidenum">
-              <a:rPr lang="pt-BR" sz="1200">
-                <a:solidFill>
-                  <a:srgbClr val="8b8b8b"/>
-                </a:solidFill>
-                <a:latin typeface="Calibri"/>
-              </a:rPr>
-              <a:t>&lt;número&gt;</a:t>
-            </a:fld>
             <a:endParaRPr/>
           </a:p>
         </p:txBody>
@@ -3204,7 +2876,7 @@
       </p:grpSpPr>
       <p:pic>
         <p:nvPicPr>
-          <p:cNvPr descr="" id="79" name="Imagem 5"/>
+          <p:cNvPr descr="" id="73" name="Imagem 5"/>
           <p:cNvPicPr/>
           <p:nvPr/>
         </p:nvPicPr>
@@ -3217,7 +2889,7 @@
         <p:spPr>
           <a:xfrm>
             <a:off x="787320" y="366120"/>
-            <a:ext cx="1885320" cy="999720"/>
+            <a:ext cx="1884960" cy="999360"/>
           </a:xfrm>
           <a:prstGeom prst="rect">
             <a:avLst/>
@@ -3226,7 +2898,7 @@
       </p:pic>
       <p:pic>
         <p:nvPicPr>
-          <p:cNvPr descr="" id="80" name="Imagem 6"/>
+          <p:cNvPr descr="" id="74" name="Imagem 6"/>
           <p:cNvPicPr/>
           <p:nvPr/>
         </p:nvPicPr>
@@ -3239,7 +2911,7 @@
         <p:spPr>
           <a:xfrm>
             <a:off x="5832720" y="366120"/>
-            <a:ext cx="5523480" cy="999720"/>
+            <a:ext cx="5523120" cy="999360"/>
           </a:xfrm>
           <a:prstGeom prst="rect">
             <a:avLst/>
@@ -3248,7 +2920,7 @@
       </p:pic>
       <p:sp>
         <p:nvSpPr>
-          <p:cNvPr id="81" name="Line 1"/>
+          <p:cNvPr id="75" name="Line 1"/>
           <p:cNvSpPr/>
           <p:nvPr/>
         </p:nvSpPr>
@@ -3270,32 +2942,36 @@
       </p:sp>
       <p:sp>
         <p:nvSpPr>
-          <p:cNvPr id="82" name="TextShape 2"/>
-          <p:cNvSpPr txBox="1"/>
-          <p:nvPr/>
-        </p:nvSpPr>
-        <p:spPr>
-          <a:xfrm>
-            <a:off x="1523880" y="2240640"/>
-            <a:ext cx="9143640" cy="1037880"/>
-          </a:xfrm>
-          <a:prstGeom prst="rect">
-            <a:avLst/>
-          </a:prstGeom>
-        </p:spPr>
-        <p:txBody>
-          <a:bodyPr anchor="b"/>
-          <a:p>
-            <a:pPr algn="ctr"/>
+          <p:cNvPr id="76" name="CustomShape 2"/>
+          <p:cNvSpPr/>
+          <p:nvPr/>
+        </p:nvSpPr>
+        <p:spPr>
+          <a:xfrm>
+            <a:off x="1523880" y="1656000"/>
+            <a:ext cx="9143280" cy="1622160"/>
+          </a:xfrm>
+          <a:prstGeom prst="rect">
+            <a:avLst/>
+          </a:prstGeom>
+        </p:spPr>
+        <p:txBody>
+          <a:bodyPr anchor="b" bIns="45000" lIns="90000" rIns="90000" tIns="45000"/>
+          <a:p>
+            <a:pPr algn="ctr">
+              <a:lnSpc>
+                <a:spcPct val="100000"/>
+              </a:lnSpc>
+            </a:pPr>
             <a:r>
-              <a:rPr b="1" lang="pt-BR" sz="3600">
+              <a:rPr b="1" lang="pt-BR" sz="2800">
                 <a:solidFill>
                   <a:srgbClr val="000000"/>
                 </a:solidFill>
                 <a:latin typeface="Calibri Light"/>
                 <a:ea typeface="Arial"/>
               </a:rPr>
-              <a:t>GERENCIADOR DE REVISTAS DIGITAIS PARA ANDROID</a:t>
+              <a:t>Desenvolvimento de um Framework na plataforma Android para gerenciamento de revistas digitais</a:t>
             </a:r>
             <a:endParaRPr/>
           </a:p>
@@ -3303,21 +2979,21 @@
       </p:sp>
       <p:sp>
         <p:nvSpPr>
-          <p:cNvPr id="83" name="TextShape 3"/>
-          <p:cNvSpPr txBox="1"/>
+          <p:cNvPr id="77" name="CustomShape 3"/>
+          <p:cNvSpPr/>
           <p:nvPr/>
         </p:nvSpPr>
         <p:spPr>
           <a:xfrm>
             <a:off x="1523880" y="3939840"/>
-            <a:ext cx="9143640" cy="716400"/>
-          </a:xfrm>
-          <a:prstGeom prst="rect">
-            <a:avLst/>
-          </a:prstGeom>
-        </p:spPr>
-        <p:txBody>
-          <a:bodyPr/>
+            <a:ext cx="9143280" cy="716040"/>
+          </a:xfrm>
+          <a:prstGeom prst="rect">
+            <a:avLst/>
+          </a:prstGeom>
+        </p:spPr>
+        <p:txBody>
+          <a:bodyPr bIns="45000" lIns="90000" rIns="90000" tIns="45000"/>
           <a:p>
             <a:pPr algn="ctr">
               <a:lnSpc>
@@ -3347,21 +3023,21 @@
       </p:sp>
       <p:sp>
         <p:nvSpPr>
-          <p:cNvPr id="84" name="CustomShape 4"/>
+          <p:cNvPr id="78" name="CustomShape 4"/>
           <p:cNvSpPr/>
           <p:nvPr/>
         </p:nvSpPr>
         <p:spPr>
           <a:xfrm>
             <a:off x="1523880" y="5198040"/>
-            <a:ext cx="9143640" cy="470880"/>
-          </a:xfrm>
-          <a:prstGeom prst="rect">
-            <a:avLst/>
-          </a:prstGeom>
-        </p:spPr>
-        <p:txBody>
-          <a:bodyPr/>
+            <a:ext cx="9143280" cy="470520"/>
+          </a:xfrm>
+          <a:prstGeom prst="rect">
+            <a:avLst/>
+          </a:prstGeom>
+        </p:spPr>
+        <p:txBody>
+          <a:bodyPr bIns="45000" lIns="90000" rIns="90000" tIns="45000"/>
           <a:p>
             <a:pPr algn="ctr">
               <a:lnSpc>
@@ -3375,7 +3051,7 @@
                 </a:solidFill>
                 <a:latin typeface="Calibri"/>
               </a:rPr>
-              <a:t>Orientador: Prof. (Mestre – Jorge Luiz Chiara)</a:t>
+              <a:t>Orientador: Prof. Jorge Luiz Chiara</a:t>
             </a:r>
             <a:endParaRPr/>
           </a:p>
@@ -3383,21 +3059,21 @@
       </p:sp>
       <p:sp>
         <p:nvSpPr>
-          <p:cNvPr id="85" name="CustomShape 5"/>
+          <p:cNvPr id="79" name="CustomShape 5"/>
           <p:cNvSpPr/>
           <p:nvPr/>
         </p:nvSpPr>
         <p:spPr>
           <a:xfrm>
             <a:off x="1523880" y="5856840"/>
-            <a:ext cx="9143640" cy="470880"/>
-          </a:xfrm>
-          <a:prstGeom prst="rect">
-            <a:avLst/>
-          </a:prstGeom>
-        </p:spPr>
-        <p:txBody>
-          <a:bodyPr/>
+            <a:ext cx="9143280" cy="470520"/>
+          </a:xfrm>
+          <a:prstGeom prst="rect">
+            <a:avLst/>
+          </a:prstGeom>
+        </p:spPr>
+        <p:txBody>
+          <a:bodyPr bIns="45000" lIns="90000" rIns="90000" tIns="45000"/>
           <a:p>
             <a:pPr algn="ctr">
               <a:lnSpc>
@@ -3468,7 +3144,7 @@
       </p:grpSpPr>
       <p:pic>
         <p:nvPicPr>
-          <p:cNvPr descr="" id="123" name="Imagem 6"/>
+          <p:cNvPr descr="" id="117" name="Imagem 6"/>
           <p:cNvPicPr/>
           <p:nvPr/>
         </p:nvPicPr>
@@ -3481,7 +3157,7 @@
         <p:spPr>
           <a:xfrm>
             <a:off x="787320" y="366840"/>
-            <a:ext cx="1885320" cy="999720"/>
+            <a:ext cx="1884960" cy="999360"/>
           </a:xfrm>
           <a:prstGeom prst="rect">
             <a:avLst/>
@@ -3490,7 +3166,7 @@
       </p:pic>
       <p:pic>
         <p:nvPicPr>
-          <p:cNvPr descr="" id="124" name="Imagem 7"/>
+          <p:cNvPr descr="" id="118" name="Imagem 7"/>
           <p:cNvPicPr/>
           <p:nvPr/>
         </p:nvPicPr>
@@ -3503,7 +3179,7 @@
         <p:spPr>
           <a:xfrm>
             <a:off x="5832720" y="366840"/>
-            <a:ext cx="5523480" cy="999720"/>
+            <a:ext cx="5523120" cy="999360"/>
           </a:xfrm>
           <a:prstGeom prst="rect">
             <a:avLst/>
@@ -3512,7 +3188,7 @@
       </p:pic>
       <p:sp>
         <p:nvSpPr>
-          <p:cNvPr id="125" name="Line 1"/>
+          <p:cNvPr id="119" name="Line 1"/>
           <p:cNvSpPr/>
           <p:nvPr/>
         </p:nvSpPr>
@@ -3534,21 +3210,21 @@
       </p:sp>
       <p:sp>
         <p:nvSpPr>
-          <p:cNvPr id="126" name="TextShape 2"/>
-          <p:cNvSpPr txBox="1"/>
+          <p:cNvPr id="120" name="CustomShape 2"/>
+          <p:cNvSpPr/>
           <p:nvPr/>
         </p:nvSpPr>
         <p:spPr>
           <a:xfrm>
             <a:off x="839520" y="1826640"/>
-            <a:ext cx="10515240" cy="1486440"/>
-          </a:xfrm>
-          <a:prstGeom prst="rect">
-            <a:avLst/>
-          </a:prstGeom>
-        </p:spPr>
-        <p:txBody>
-          <a:bodyPr/>
+            <a:ext cx="10514880" cy="1486080"/>
+          </a:xfrm>
+          <a:prstGeom prst="rect">
+            <a:avLst/>
+          </a:prstGeom>
+        </p:spPr>
+        <p:txBody>
+          <a:bodyPr bIns="45000" lIns="90000" rIns="90000" tIns="45000"/>
           <a:p>
             <a:pPr algn="ctr">
               <a:lnSpc>
@@ -3611,7 +3287,7 @@
       </p:sp>
       <p:pic>
         <p:nvPicPr>
-          <p:cNvPr descr="" id="127" name=""/>
+          <p:cNvPr descr="" id="121" name=""/>
           <p:cNvPicPr/>
           <p:nvPr/>
         </p:nvPicPr>
@@ -3624,7 +3300,7 @@
         <p:spPr>
           <a:xfrm>
             <a:off x="7682760" y="2360520"/>
-            <a:ext cx="3644640" cy="4381200"/>
+            <a:ext cx="3644280" cy="4380840"/>
           </a:xfrm>
           <a:prstGeom prst="rect">
             <a:avLst/>
@@ -3655,7 +3331,7 @@
       </p:grpSpPr>
       <p:pic>
         <p:nvPicPr>
-          <p:cNvPr descr="" id="128" name="Imagem 6"/>
+          <p:cNvPr descr="" id="122" name="Imagem 6"/>
           <p:cNvPicPr/>
           <p:nvPr/>
         </p:nvPicPr>
@@ -3668,7 +3344,7 @@
         <p:spPr>
           <a:xfrm>
             <a:off x="787320" y="366120"/>
-            <a:ext cx="1885320" cy="999720"/>
+            <a:ext cx="1884960" cy="999360"/>
           </a:xfrm>
           <a:prstGeom prst="rect">
             <a:avLst/>
@@ -3677,7 +3353,7 @@
       </p:pic>
       <p:pic>
         <p:nvPicPr>
-          <p:cNvPr descr="" id="129" name="Imagem 7"/>
+          <p:cNvPr descr="" id="123" name="Imagem 7"/>
           <p:cNvPicPr/>
           <p:nvPr/>
         </p:nvPicPr>
@@ -3690,7 +3366,7 @@
         <p:spPr>
           <a:xfrm>
             <a:off x="5832720" y="366120"/>
-            <a:ext cx="5523480" cy="999720"/>
+            <a:ext cx="5523120" cy="999360"/>
           </a:xfrm>
           <a:prstGeom prst="rect">
             <a:avLst/>
@@ -3699,7 +3375,7 @@
       </p:pic>
       <p:sp>
         <p:nvSpPr>
-          <p:cNvPr id="130" name="Line 1"/>
+          <p:cNvPr id="124" name="Line 1"/>
           <p:cNvSpPr/>
           <p:nvPr/>
         </p:nvSpPr>
@@ -3721,21 +3397,21 @@
       </p:sp>
       <p:sp>
         <p:nvSpPr>
-          <p:cNvPr id="131" name="TextShape 2"/>
-          <p:cNvSpPr txBox="1"/>
+          <p:cNvPr id="125" name="CustomShape 2"/>
+          <p:cNvSpPr/>
           <p:nvPr/>
         </p:nvSpPr>
         <p:spPr>
           <a:xfrm>
             <a:off x="839880" y="1826640"/>
-            <a:ext cx="10515240" cy="1486440"/>
-          </a:xfrm>
-          <a:prstGeom prst="rect">
-            <a:avLst/>
-          </a:prstGeom>
-        </p:spPr>
-        <p:txBody>
-          <a:bodyPr/>
+            <a:ext cx="10514880" cy="1486080"/>
+          </a:xfrm>
+          <a:prstGeom prst="rect">
+            <a:avLst/>
+          </a:prstGeom>
+        </p:spPr>
+        <p:txBody>
+          <a:bodyPr bIns="45000" lIns="90000" rIns="90000" tIns="45000"/>
           <a:p>
             <a:pPr algn="ctr">
               <a:lnSpc>
@@ -3798,7 +3474,7 @@
       </p:sp>
       <p:pic>
         <p:nvPicPr>
-          <p:cNvPr descr="" id="132" name=""/>
+          <p:cNvPr descr="" id="126" name=""/>
           <p:cNvPicPr/>
           <p:nvPr/>
         </p:nvPicPr>
@@ -3811,7 +3487,7 @@
         <p:spPr>
           <a:xfrm>
             <a:off x="5724000" y="2232000"/>
-            <a:ext cx="6480000" cy="4626000"/>
+            <a:ext cx="6479640" cy="4625640"/>
           </a:xfrm>
           <a:prstGeom prst="rect">
             <a:avLst/>
@@ -3869,7 +3545,7 @@
       </p:grpSpPr>
       <p:pic>
         <p:nvPicPr>
-          <p:cNvPr descr="" id="133" name="Imagem 6"/>
+          <p:cNvPr descr="" id="127" name="Imagem 6"/>
           <p:cNvPicPr/>
           <p:nvPr/>
         </p:nvPicPr>
@@ -3882,7 +3558,7 @@
         <p:spPr>
           <a:xfrm>
             <a:off x="787320" y="366120"/>
-            <a:ext cx="1885320" cy="999720"/>
+            <a:ext cx="1884960" cy="999360"/>
           </a:xfrm>
           <a:prstGeom prst="rect">
             <a:avLst/>
@@ -3891,7 +3567,7 @@
       </p:pic>
       <p:pic>
         <p:nvPicPr>
-          <p:cNvPr descr="" id="134" name="Imagem 7"/>
+          <p:cNvPr descr="" id="128" name="Imagem 7"/>
           <p:cNvPicPr/>
           <p:nvPr/>
         </p:nvPicPr>
@@ -3904,7 +3580,7 @@
         <p:spPr>
           <a:xfrm>
             <a:off x="5832720" y="366120"/>
-            <a:ext cx="5523480" cy="999720"/>
+            <a:ext cx="5523120" cy="999360"/>
           </a:xfrm>
           <a:prstGeom prst="rect">
             <a:avLst/>
@@ -3913,7 +3589,7 @@
       </p:pic>
       <p:sp>
         <p:nvSpPr>
-          <p:cNvPr id="135" name="Line 1"/>
+          <p:cNvPr id="129" name="Line 1"/>
           <p:cNvSpPr/>
           <p:nvPr/>
         </p:nvSpPr>
@@ -3935,21 +3611,21 @@
       </p:sp>
       <p:sp>
         <p:nvSpPr>
-          <p:cNvPr id="136" name="TextShape 2"/>
-          <p:cNvSpPr txBox="1"/>
+          <p:cNvPr id="130" name="CustomShape 2"/>
+          <p:cNvSpPr/>
           <p:nvPr/>
         </p:nvSpPr>
         <p:spPr>
           <a:xfrm>
             <a:off x="840240" y="1827000"/>
-            <a:ext cx="10515240" cy="1486440"/>
-          </a:xfrm>
-          <a:prstGeom prst="rect">
-            <a:avLst/>
-          </a:prstGeom>
-        </p:spPr>
-        <p:txBody>
-          <a:bodyPr/>
+            <a:ext cx="10514880" cy="1486080"/>
+          </a:xfrm>
+          <a:prstGeom prst="rect">
+            <a:avLst/>
+          </a:prstGeom>
+        </p:spPr>
+        <p:txBody>
+          <a:bodyPr bIns="45000" lIns="90000" rIns="90000" tIns="45000"/>
           <a:p>
             <a:pPr algn="ctr">
               <a:lnSpc>
@@ -4012,7 +3688,7 @@
       </p:sp>
       <p:pic>
         <p:nvPicPr>
-          <p:cNvPr descr="" id="137" name=""/>
+          <p:cNvPr descr="" id="131" name=""/>
           <p:cNvPicPr/>
           <p:nvPr/>
         </p:nvPicPr>
@@ -4025,7 +3701,7 @@
         <p:spPr>
           <a:xfrm>
             <a:off x="4343040" y="3675240"/>
-            <a:ext cx="3555720" cy="2831760"/>
+            <a:ext cx="3555360" cy="2831400"/>
           </a:xfrm>
           <a:prstGeom prst="rect">
             <a:avLst/>
@@ -4083,7 +3759,7 @@
       </p:grpSpPr>
       <p:pic>
         <p:nvPicPr>
-          <p:cNvPr descr="" id="138" name="Imagem 6"/>
+          <p:cNvPr descr="" id="132" name="Imagem 6"/>
           <p:cNvPicPr/>
           <p:nvPr/>
         </p:nvPicPr>
@@ -4096,7 +3772,7 @@
         <p:spPr>
           <a:xfrm>
             <a:off x="787320" y="366840"/>
-            <a:ext cx="1885320" cy="999720"/>
+            <a:ext cx="1884960" cy="999360"/>
           </a:xfrm>
           <a:prstGeom prst="rect">
             <a:avLst/>
@@ -4105,7 +3781,7 @@
       </p:pic>
       <p:pic>
         <p:nvPicPr>
-          <p:cNvPr descr="" id="139" name="Imagem 7"/>
+          <p:cNvPr descr="" id="133" name="Imagem 7"/>
           <p:cNvPicPr/>
           <p:nvPr/>
         </p:nvPicPr>
@@ -4118,7 +3794,7 @@
         <p:spPr>
           <a:xfrm>
             <a:off x="5832720" y="366840"/>
-            <a:ext cx="5523480" cy="999720"/>
+            <a:ext cx="5523120" cy="999360"/>
           </a:xfrm>
           <a:prstGeom prst="rect">
             <a:avLst/>
@@ -4127,7 +3803,7 @@
       </p:pic>
       <p:sp>
         <p:nvSpPr>
-          <p:cNvPr id="140" name="Line 1"/>
+          <p:cNvPr id="134" name="Line 1"/>
           <p:cNvSpPr/>
           <p:nvPr/>
         </p:nvSpPr>
@@ -4149,21 +3825,21 @@
       </p:sp>
       <p:sp>
         <p:nvSpPr>
-          <p:cNvPr id="141" name="TextShape 2"/>
-          <p:cNvSpPr txBox="1"/>
+          <p:cNvPr id="135" name="CustomShape 2"/>
+          <p:cNvSpPr/>
           <p:nvPr/>
         </p:nvSpPr>
         <p:spPr>
           <a:xfrm>
             <a:off x="839520" y="1826640"/>
-            <a:ext cx="10515240" cy="1486440"/>
-          </a:xfrm>
-          <a:prstGeom prst="rect">
-            <a:avLst/>
-          </a:prstGeom>
-        </p:spPr>
-        <p:txBody>
-          <a:bodyPr/>
+            <a:ext cx="10514880" cy="1486080"/>
+          </a:xfrm>
+          <a:prstGeom prst="rect">
+            <a:avLst/>
+          </a:prstGeom>
+        </p:spPr>
+        <p:txBody>
+          <a:bodyPr bIns="45000" lIns="90000" rIns="90000" tIns="45000"/>
           <a:p>
             <a:pPr algn="ctr">
               <a:lnSpc>
@@ -4226,7 +3902,7 @@
       </p:sp>
       <p:pic>
         <p:nvPicPr>
-          <p:cNvPr descr="" id="142" name=""/>
+          <p:cNvPr descr="" id="136" name=""/>
           <p:cNvPicPr/>
           <p:nvPr/>
         </p:nvPicPr>
@@ -4239,7 +3915,7 @@
         <p:spPr>
           <a:xfrm>
             <a:off x="7583040" y="2341440"/>
-            <a:ext cx="3771720" cy="4419360"/>
+            <a:ext cx="3771360" cy="4419000"/>
           </a:xfrm>
           <a:prstGeom prst="rect">
             <a:avLst/>
@@ -4270,7 +3946,7 @@
       </p:grpSpPr>
       <p:pic>
         <p:nvPicPr>
-          <p:cNvPr descr="" id="143" name="Imagem 6"/>
+          <p:cNvPr descr="" id="137" name="Imagem 6"/>
           <p:cNvPicPr/>
           <p:nvPr/>
         </p:nvPicPr>
@@ -4283,7 +3959,7 @@
         <p:spPr>
           <a:xfrm>
             <a:off x="787320" y="366120"/>
-            <a:ext cx="1885320" cy="999720"/>
+            <a:ext cx="1884960" cy="999360"/>
           </a:xfrm>
           <a:prstGeom prst="rect">
             <a:avLst/>
@@ -4292,7 +3968,7 @@
       </p:pic>
       <p:pic>
         <p:nvPicPr>
-          <p:cNvPr descr="" id="144" name="Imagem 7"/>
+          <p:cNvPr descr="" id="138" name="Imagem 7"/>
           <p:cNvPicPr/>
           <p:nvPr/>
         </p:nvPicPr>
@@ -4305,7 +3981,7 @@
         <p:spPr>
           <a:xfrm>
             <a:off x="5832720" y="366120"/>
-            <a:ext cx="5523480" cy="999720"/>
+            <a:ext cx="5523120" cy="999360"/>
           </a:xfrm>
           <a:prstGeom prst="rect">
             <a:avLst/>
@@ -4314,7 +3990,7 @@
       </p:pic>
       <p:sp>
         <p:nvSpPr>
-          <p:cNvPr id="145" name="Line 1"/>
+          <p:cNvPr id="139" name="Line 1"/>
           <p:cNvSpPr/>
           <p:nvPr/>
         </p:nvSpPr>
@@ -4336,21 +4012,21 @@
       </p:sp>
       <p:sp>
         <p:nvSpPr>
-          <p:cNvPr id="146" name="TextShape 2"/>
-          <p:cNvSpPr txBox="1"/>
+          <p:cNvPr id="140" name="CustomShape 2"/>
+          <p:cNvSpPr/>
           <p:nvPr/>
         </p:nvSpPr>
         <p:spPr>
           <a:xfrm>
             <a:off x="840600" y="1827360"/>
-            <a:ext cx="10515240" cy="1486440"/>
-          </a:xfrm>
-          <a:prstGeom prst="rect">
-            <a:avLst/>
-          </a:prstGeom>
-        </p:spPr>
-        <p:txBody>
-          <a:bodyPr/>
+            <a:ext cx="10514880" cy="1486080"/>
+          </a:xfrm>
+          <a:prstGeom prst="rect">
+            <a:avLst/>
+          </a:prstGeom>
+        </p:spPr>
+        <p:txBody>
+          <a:bodyPr bIns="45000" lIns="90000" rIns="90000" tIns="45000"/>
           <a:p>
             <a:pPr algn="ctr">
               <a:lnSpc>
@@ -4413,7 +4089,7 @@
       </p:sp>
       <p:pic>
         <p:nvPicPr>
-          <p:cNvPr descr="" id="147" name=""/>
+          <p:cNvPr descr="" id="141" name=""/>
           <p:cNvPicPr/>
           <p:nvPr/>
         </p:nvPicPr>
@@ -4426,7 +4102,7 @@
         <p:spPr>
           <a:xfrm>
             <a:off x="6285240" y="2894040"/>
-            <a:ext cx="3847680" cy="3746160"/>
+            <a:ext cx="3847320" cy="3745800"/>
           </a:xfrm>
           <a:prstGeom prst="rect">
             <a:avLst/>
@@ -4484,7 +4160,7 @@
       </p:grpSpPr>
       <p:pic>
         <p:nvPicPr>
-          <p:cNvPr descr="" id="148" name="Imagem 6"/>
+          <p:cNvPr descr="" id="142" name="Imagem 6"/>
           <p:cNvPicPr/>
           <p:nvPr/>
         </p:nvPicPr>
@@ -4497,7 +4173,7 @@
         <p:spPr>
           <a:xfrm>
             <a:off x="787320" y="366120"/>
-            <a:ext cx="1885320" cy="999720"/>
+            <a:ext cx="1884960" cy="999360"/>
           </a:xfrm>
           <a:prstGeom prst="rect">
             <a:avLst/>
@@ -4506,7 +4182,7 @@
       </p:pic>
       <p:pic>
         <p:nvPicPr>
-          <p:cNvPr descr="" id="149" name="Imagem 7"/>
+          <p:cNvPr descr="" id="143" name="Imagem 7"/>
           <p:cNvPicPr/>
           <p:nvPr/>
         </p:nvPicPr>
@@ -4519,7 +4195,7 @@
         <p:spPr>
           <a:xfrm>
             <a:off x="5832720" y="366120"/>
-            <a:ext cx="5523480" cy="999720"/>
+            <a:ext cx="5523120" cy="999360"/>
           </a:xfrm>
           <a:prstGeom prst="rect">
             <a:avLst/>
@@ -4528,7 +4204,7 @@
       </p:pic>
       <p:sp>
         <p:nvSpPr>
-          <p:cNvPr id="150" name="Line 1"/>
+          <p:cNvPr id="144" name="Line 1"/>
           <p:cNvSpPr/>
           <p:nvPr/>
         </p:nvSpPr>
@@ -4550,21 +4226,21 @@
       </p:sp>
       <p:sp>
         <p:nvSpPr>
-          <p:cNvPr id="151" name="TextShape 2"/>
-          <p:cNvSpPr txBox="1"/>
+          <p:cNvPr id="145" name="CustomShape 2"/>
+          <p:cNvSpPr/>
           <p:nvPr/>
         </p:nvSpPr>
         <p:spPr>
           <a:xfrm>
             <a:off x="840960" y="1827720"/>
-            <a:ext cx="10515240" cy="1486440"/>
-          </a:xfrm>
-          <a:prstGeom prst="rect">
-            <a:avLst/>
-          </a:prstGeom>
-        </p:spPr>
-        <p:txBody>
-          <a:bodyPr/>
+            <a:ext cx="10514880" cy="1486080"/>
+          </a:xfrm>
+          <a:prstGeom prst="rect">
+            <a:avLst/>
+          </a:prstGeom>
+        </p:spPr>
+        <p:txBody>
+          <a:bodyPr bIns="45000" lIns="90000" rIns="90000" tIns="45000"/>
           <a:p>
             <a:pPr algn="ctr">
               <a:lnSpc>
@@ -4667,7 +4343,7 @@
       </p:grpSpPr>
       <p:pic>
         <p:nvPicPr>
-          <p:cNvPr descr="" id="152" name="Imagem 6"/>
+          <p:cNvPr descr="" id="146" name="Imagem 6"/>
           <p:cNvPicPr/>
           <p:nvPr/>
         </p:nvPicPr>
@@ -4680,7 +4356,7 @@
         <p:spPr>
           <a:xfrm>
             <a:off x="787320" y="366120"/>
-            <a:ext cx="1885320" cy="999720"/>
+            <a:ext cx="1884960" cy="999360"/>
           </a:xfrm>
           <a:prstGeom prst="rect">
             <a:avLst/>
@@ -4689,7 +4365,7 @@
       </p:pic>
       <p:pic>
         <p:nvPicPr>
-          <p:cNvPr descr="" id="153" name="Imagem 7"/>
+          <p:cNvPr descr="" id="147" name="Imagem 7"/>
           <p:cNvPicPr/>
           <p:nvPr/>
         </p:nvPicPr>
@@ -4702,7 +4378,7 @@
         <p:spPr>
           <a:xfrm>
             <a:off x="5832720" y="366120"/>
-            <a:ext cx="5523480" cy="999720"/>
+            <a:ext cx="5523120" cy="999360"/>
           </a:xfrm>
           <a:prstGeom prst="rect">
             <a:avLst/>
@@ -4711,7 +4387,7 @@
       </p:pic>
       <p:sp>
         <p:nvSpPr>
-          <p:cNvPr id="154" name="Line 1"/>
+          <p:cNvPr id="148" name="Line 1"/>
           <p:cNvSpPr/>
           <p:nvPr/>
         </p:nvSpPr>
@@ -4733,21 +4409,21 @@
       </p:sp>
       <p:sp>
         <p:nvSpPr>
-          <p:cNvPr id="155" name="TextShape 2"/>
-          <p:cNvSpPr txBox="1"/>
+          <p:cNvPr id="149" name="CustomShape 2"/>
+          <p:cNvSpPr/>
           <p:nvPr/>
         </p:nvSpPr>
         <p:spPr>
           <a:xfrm>
             <a:off x="840960" y="1827720"/>
-            <a:ext cx="10515240" cy="2780280"/>
-          </a:xfrm>
-          <a:prstGeom prst="rect">
-            <a:avLst/>
-          </a:prstGeom>
-        </p:spPr>
-        <p:txBody>
-          <a:bodyPr/>
+            <a:ext cx="10514880" cy="2779920"/>
+          </a:xfrm>
+          <a:prstGeom prst="rect">
+            <a:avLst/>
+          </a:prstGeom>
+        </p:spPr>
+        <p:txBody>
+          <a:bodyPr bIns="45000" lIns="90000" rIns="90000" tIns="45000"/>
           <a:p>
             <a:pPr algn="ctr">
               <a:lnSpc>
@@ -4875,21 +4551,21 @@
       </p:grpSpPr>
       <p:sp>
         <p:nvSpPr>
-          <p:cNvPr id="156" name="TextShape 1"/>
-          <p:cNvSpPr txBox="1"/>
+          <p:cNvPr id="150" name="CustomShape 1"/>
+          <p:cNvSpPr/>
           <p:nvPr/>
         </p:nvSpPr>
         <p:spPr>
           <a:xfrm>
             <a:off x="838080" y="1825560"/>
-            <a:ext cx="10515240" cy="4350960"/>
-          </a:xfrm>
-          <a:prstGeom prst="rect">
-            <a:avLst/>
-          </a:prstGeom>
-        </p:spPr>
-        <p:txBody>
-          <a:bodyPr/>
+            <a:ext cx="10514880" cy="4350600"/>
+          </a:xfrm>
+          <a:prstGeom prst="rect">
+            <a:avLst/>
+          </a:prstGeom>
+        </p:spPr>
+        <p:txBody>
+          <a:bodyPr bIns="45000" lIns="90000" rIns="90000" tIns="45000"/>
           <a:p>
             <a:pPr algn="ctr">
               <a:lnSpc>
@@ -4956,13 +4632,10 @@
             <a:endParaRPr/>
           </a:p>
           <a:p>
-            <a:pPr lvl="6">
+            <a:pPr>
               <a:lnSpc>
                 <a:spcPct val="100000"/>
               </a:lnSpc>
-              <a:buSzPct val="25000"/>
-              <a:buFont typeface="StarSymbol"/>
-              <a:buChar char=""/>
             </a:pPr>
             <a:endParaRPr/>
           </a:p>
@@ -4986,7 +4659,7 @@
       </p:sp>
       <p:pic>
         <p:nvPicPr>
-          <p:cNvPr descr="" id="157" name="Imagem 6"/>
+          <p:cNvPr descr="" id="151" name="Imagem 6"/>
           <p:cNvPicPr/>
           <p:nvPr/>
         </p:nvPicPr>
@@ -4999,7 +4672,7 @@
         <p:spPr>
           <a:xfrm>
             <a:off x="787320" y="366120"/>
-            <a:ext cx="1885320" cy="999720"/>
+            <a:ext cx="1884960" cy="999360"/>
           </a:xfrm>
           <a:prstGeom prst="rect">
             <a:avLst/>
@@ -5008,7 +4681,7 @@
       </p:pic>
       <p:pic>
         <p:nvPicPr>
-          <p:cNvPr descr="" id="158" name="Imagem 7"/>
+          <p:cNvPr descr="" id="152" name="Imagem 7"/>
           <p:cNvPicPr/>
           <p:nvPr/>
         </p:nvPicPr>
@@ -5021,7 +4694,7 @@
         <p:spPr>
           <a:xfrm>
             <a:off x="5832720" y="366120"/>
-            <a:ext cx="5523480" cy="999720"/>
+            <a:ext cx="5523120" cy="999360"/>
           </a:xfrm>
           <a:prstGeom prst="rect">
             <a:avLst/>
@@ -5030,7 +4703,7 @@
       </p:pic>
       <p:sp>
         <p:nvSpPr>
-          <p:cNvPr id="159" name="Line 2"/>
+          <p:cNvPr id="153" name="Line 2"/>
           <p:cNvSpPr/>
           <p:nvPr/>
         </p:nvSpPr>
@@ -5052,7 +4725,7 @@
       </p:sp>
       <p:pic>
         <p:nvPicPr>
-          <p:cNvPr descr="" id="160" name="Imagem 8"/>
+          <p:cNvPr descr="" id="154" name="Imagem 8"/>
           <p:cNvPicPr/>
           <p:nvPr/>
         </p:nvPicPr>
@@ -5065,7 +4738,7 @@
         <p:spPr>
           <a:xfrm>
             <a:off x="5434200" y="2841480"/>
-            <a:ext cx="1028160" cy="1175400"/>
+            <a:ext cx="1027800" cy="1175040"/>
           </a:xfrm>
           <a:prstGeom prst="rect">
             <a:avLst/>
@@ -5123,21 +4796,21 @@
       </p:grpSpPr>
       <p:sp>
         <p:nvSpPr>
-          <p:cNvPr id="86" name="TextShape 1"/>
-          <p:cNvSpPr txBox="1"/>
+          <p:cNvPr id="80" name="CustomShape 1"/>
+          <p:cNvSpPr/>
           <p:nvPr/>
         </p:nvSpPr>
         <p:spPr>
           <a:xfrm>
             <a:off x="838080" y="1825560"/>
-            <a:ext cx="10515240" cy="4350960"/>
-          </a:xfrm>
-          <a:prstGeom prst="rect">
-            <a:avLst/>
-          </a:prstGeom>
-        </p:spPr>
-        <p:txBody>
-          <a:bodyPr/>
+            <a:ext cx="10514880" cy="4350600"/>
+          </a:xfrm>
+          <a:prstGeom prst="rect">
+            <a:avLst/>
+          </a:prstGeom>
+        </p:spPr>
+        <p:txBody>
+          <a:bodyPr bIns="45000" lIns="90000" rIns="90000" tIns="45000"/>
           <a:p>
             <a:pPr algn="ctr">
               <a:lnSpc>
@@ -5209,7 +4882,7 @@
       </p:sp>
       <p:pic>
         <p:nvPicPr>
-          <p:cNvPr descr="" id="87" name="Imagem 6"/>
+          <p:cNvPr descr="" id="81" name="Imagem 6"/>
           <p:cNvPicPr/>
           <p:nvPr/>
         </p:nvPicPr>
@@ -5222,7 +4895,7 @@
         <p:spPr>
           <a:xfrm>
             <a:off x="787320" y="366120"/>
-            <a:ext cx="1885320" cy="999720"/>
+            <a:ext cx="1884960" cy="999360"/>
           </a:xfrm>
           <a:prstGeom prst="rect">
             <a:avLst/>
@@ -5231,7 +4904,7 @@
       </p:pic>
       <p:pic>
         <p:nvPicPr>
-          <p:cNvPr descr="" id="88" name="Imagem 7"/>
+          <p:cNvPr descr="" id="82" name="Imagem 7"/>
           <p:cNvPicPr/>
           <p:nvPr/>
         </p:nvPicPr>
@@ -5244,7 +4917,7 @@
         <p:spPr>
           <a:xfrm>
             <a:off x="5832720" y="366120"/>
-            <a:ext cx="5523480" cy="999720"/>
+            <a:ext cx="5523120" cy="999360"/>
           </a:xfrm>
           <a:prstGeom prst="rect">
             <a:avLst/>
@@ -5253,7 +4926,7 @@
       </p:pic>
       <p:sp>
         <p:nvSpPr>
-          <p:cNvPr id="89" name="Line 2"/>
+          <p:cNvPr id="83" name="Line 2"/>
           <p:cNvSpPr/>
           <p:nvPr/>
         </p:nvSpPr>
@@ -5324,7 +4997,7 @@
       </p:grpSpPr>
       <p:pic>
         <p:nvPicPr>
-          <p:cNvPr descr="" id="90" name="Imagem 6"/>
+          <p:cNvPr descr="" id="84" name="Imagem 6"/>
           <p:cNvPicPr/>
           <p:nvPr/>
         </p:nvPicPr>
@@ -5337,7 +5010,7 @@
         <p:spPr>
           <a:xfrm>
             <a:off x="787320" y="366120"/>
-            <a:ext cx="1885320" cy="999720"/>
+            <a:ext cx="1884960" cy="999360"/>
           </a:xfrm>
           <a:prstGeom prst="rect">
             <a:avLst/>
@@ -5346,7 +5019,7 @@
       </p:pic>
       <p:pic>
         <p:nvPicPr>
-          <p:cNvPr descr="" id="91" name="Imagem 7"/>
+          <p:cNvPr descr="" id="85" name="Imagem 7"/>
           <p:cNvPicPr/>
           <p:nvPr/>
         </p:nvPicPr>
@@ -5359,7 +5032,7 @@
         <p:spPr>
           <a:xfrm>
             <a:off x="5832720" y="366120"/>
-            <a:ext cx="5523480" cy="999720"/>
+            <a:ext cx="5523120" cy="999360"/>
           </a:xfrm>
           <a:prstGeom prst="rect">
             <a:avLst/>
@@ -5368,7 +5041,7 @@
       </p:pic>
       <p:sp>
         <p:nvSpPr>
-          <p:cNvPr id="92" name="Line 1"/>
+          <p:cNvPr id="86" name="Line 1"/>
           <p:cNvSpPr/>
           <p:nvPr/>
         </p:nvSpPr>
@@ -5390,21 +5063,21 @@
       </p:sp>
       <p:sp>
         <p:nvSpPr>
-          <p:cNvPr id="93" name="TextShape 2"/>
-          <p:cNvSpPr txBox="1"/>
+          <p:cNvPr id="87" name="CustomShape 2"/>
+          <p:cNvSpPr/>
           <p:nvPr/>
         </p:nvSpPr>
         <p:spPr>
           <a:xfrm>
             <a:off x="838440" y="1825560"/>
-            <a:ext cx="10515240" cy="4350960"/>
-          </a:xfrm>
-          <a:prstGeom prst="rect">
-            <a:avLst/>
-          </a:prstGeom>
-        </p:spPr>
-        <p:txBody>
-          <a:bodyPr/>
+            <a:ext cx="10514880" cy="4350600"/>
+          </a:xfrm>
+          <a:prstGeom prst="rect">
+            <a:avLst/>
+          </a:prstGeom>
+        </p:spPr>
+        <p:txBody>
+          <a:bodyPr bIns="45000" lIns="90000" rIns="90000" tIns="45000"/>
           <a:p>
             <a:pPr algn="ctr">
               <a:lnSpc>
@@ -5525,7 +5198,7 @@
       </p:grpSpPr>
       <p:pic>
         <p:nvPicPr>
-          <p:cNvPr descr="" id="94" name="Imagem 6"/>
+          <p:cNvPr descr="" id="88" name="Imagem 6"/>
           <p:cNvPicPr/>
           <p:nvPr/>
         </p:nvPicPr>
@@ -5538,7 +5211,7 @@
         <p:spPr>
           <a:xfrm>
             <a:off x="787320" y="366120"/>
-            <a:ext cx="1885320" cy="999720"/>
+            <a:ext cx="1884960" cy="999360"/>
           </a:xfrm>
           <a:prstGeom prst="rect">
             <a:avLst/>
@@ -5547,7 +5220,7 @@
       </p:pic>
       <p:pic>
         <p:nvPicPr>
-          <p:cNvPr descr="" id="95" name="Imagem 7"/>
+          <p:cNvPr descr="" id="89" name="Imagem 7"/>
           <p:cNvPicPr/>
           <p:nvPr/>
         </p:nvPicPr>
@@ -5560,7 +5233,7 @@
         <p:spPr>
           <a:xfrm>
             <a:off x="5832720" y="366120"/>
-            <a:ext cx="5523480" cy="999720"/>
+            <a:ext cx="5523120" cy="999360"/>
           </a:xfrm>
           <a:prstGeom prst="rect">
             <a:avLst/>
@@ -5569,7 +5242,7 @@
       </p:pic>
       <p:sp>
         <p:nvSpPr>
-          <p:cNvPr id="96" name="Line 1"/>
+          <p:cNvPr id="90" name="Line 1"/>
           <p:cNvSpPr/>
           <p:nvPr/>
         </p:nvSpPr>
@@ -5591,25 +5264,25 @@
       </p:sp>
       <p:sp>
         <p:nvSpPr>
-          <p:cNvPr id="97" name="TextShape 2"/>
-          <p:cNvSpPr txBox="1"/>
+          <p:cNvPr id="91" name="CustomShape 2"/>
+          <p:cNvSpPr/>
           <p:nvPr/>
         </p:nvSpPr>
         <p:spPr>
           <a:xfrm>
             <a:off x="838800" y="1825560"/>
-            <a:ext cx="10515240" cy="4350960"/>
-          </a:xfrm>
-          <a:prstGeom prst="rect">
-            <a:avLst/>
-          </a:prstGeom>
-        </p:spPr>
-        <p:txBody>
-          <a:bodyPr/>
+            <a:ext cx="10514880" cy="4350600"/>
+          </a:xfrm>
+          <a:prstGeom prst="rect">
+            <a:avLst/>
+          </a:prstGeom>
+        </p:spPr>
+        <p:txBody>
+          <a:bodyPr bIns="45000" lIns="90000" rIns="90000" tIns="45000"/>
           <a:p>
             <a:pPr algn="ctr">
               <a:lnSpc>
-                <a:spcPct val="90000"/>
+                <a:spcPct val="100000"/>
               </a:lnSpc>
             </a:pPr>
             <a:r>
@@ -5617,9 +5290,10 @@
                 <a:solidFill>
                   <a:srgbClr val="000000"/>
                 </a:solidFill>
-                <a:latin typeface="Calibri"/>
+                <a:latin typeface="Calibri Light"/>
+                <a:ea typeface="Arial"/>
               </a:rPr>
-              <a:t>Gerenciador de revistas digitais</a:t>
+              <a:t>Framework gerenciamento de revistas digitais</a:t>
             </a:r>
             <a:endParaRPr/>
           </a:p>
@@ -5701,7 +5375,7 @@
       </p:grpSpPr>
       <p:pic>
         <p:nvPicPr>
-          <p:cNvPr descr="" id="98" name="Imagem 6"/>
+          <p:cNvPr descr="" id="92" name="Imagem 6"/>
           <p:cNvPicPr/>
           <p:nvPr/>
         </p:nvPicPr>
@@ -5714,7 +5388,7 @@
         <p:spPr>
           <a:xfrm>
             <a:off x="787320" y="366120"/>
-            <a:ext cx="1885320" cy="999720"/>
+            <a:ext cx="1884960" cy="999360"/>
           </a:xfrm>
           <a:prstGeom prst="rect">
             <a:avLst/>
@@ -5723,7 +5397,7 @@
       </p:pic>
       <p:pic>
         <p:nvPicPr>
-          <p:cNvPr descr="" id="99" name="Imagem 7"/>
+          <p:cNvPr descr="" id="93" name="Imagem 7"/>
           <p:cNvPicPr/>
           <p:nvPr/>
         </p:nvPicPr>
@@ -5736,7 +5410,7 @@
         <p:spPr>
           <a:xfrm>
             <a:off x="5832720" y="366120"/>
-            <a:ext cx="5523480" cy="999720"/>
+            <a:ext cx="5523120" cy="999360"/>
           </a:xfrm>
           <a:prstGeom prst="rect">
             <a:avLst/>
@@ -5745,7 +5419,7 @@
       </p:pic>
       <p:sp>
         <p:nvSpPr>
-          <p:cNvPr id="100" name="Line 1"/>
+          <p:cNvPr id="94" name="Line 1"/>
           <p:cNvSpPr/>
           <p:nvPr/>
         </p:nvSpPr>
@@ -5767,21 +5441,21 @@
       </p:sp>
       <p:sp>
         <p:nvSpPr>
-          <p:cNvPr id="101" name="TextShape 2"/>
-          <p:cNvSpPr txBox="1"/>
+          <p:cNvPr id="95" name="CustomShape 2"/>
+          <p:cNvSpPr/>
           <p:nvPr/>
         </p:nvSpPr>
         <p:spPr>
           <a:xfrm>
             <a:off x="838800" y="1825560"/>
-            <a:ext cx="10515240" cy="1486440"/>
-          </a:xfrm>
-          <a:prstGeom prst="rect">
-            <a:avLst/>
-          </a:prstGeom>
-        </p:spPr>
-        <p:txBody>
-          <a:bodyPr/>
+            <a:ext cx="10514880" cy="1486080"/>
+          </a:xfrm>
+          <a:prstGeom prst="rect">
+            <a:avLst/>
+          </a:prstGeom>
+        </p:spPr>
+        <p:txBody>
+          <a:bodyPr bIns="45000" lIns="90000" rIns="90000" tIns="45000"/>
           <a:p>
             <a:pPr algn="ctr">
               <a:lnSpc>
@@ -5844,7 +5518,7 @@
       </p:sp>
       <p:pic>
         <p:nvPicPr>
-          <p:cNvPr descr="" id="102" name=""/>
+          <p:cNvPr descr="" id="96" name=""/>
           <p:cNvPicPr/>
           <p:nvPr/>
         </p:nvPicPr>
@@ -5857,7 +5531,7 @@
         <p:spPr>
           <a:xfrm>
             <a:off x="2921040" y="3348000"/>
-            <a:ext cx="6349680" cy="3492000"/>
+            <a:ext cx="6349320" cy="3491640"/>
           </a:xfrm>
           <a:prstGeom prst="rect">
             <a:avLst/>
@@ -5915,7 +5589,7 @@
       </p:grpSpPr>
       <p:pic>
         <p:nvPicPr>
-          <p:cNvPr descr="" id="103" name="Imagem 6"/>
+          <p:cNvPr descr="" id="97" name="Imagem 6"/>
           <p:cNvPicPr/>
           <p:nvPr/>
         </p:nvPicPr>
@@ -5928,7 +5602,7 @@
         <p:spPr>
           <a:xfrm>
             <a:off x="787320" y="366120"/>
-            <a:ext cx="1885320" cy="999720"/>
+            <a:ext cx="1884960" cy="999360"/>
           </a:xfrm>
           <a:prstGeom prst="rect">
             <a:avLst/>
@@ -5937,7 +5611,7 @@
       </p:pic>
       <p:pic>
         <p:nvPicPr>
-          <p:cNvPr descr="" id="104" name="Imagem 7"/>
+          <p:cNvPr descr="" id="98" name="Imagem 7"/>
           <p:cNvPicPr/>
           <p:nvPr/>
         </p:nvPicPr>
@@ -5950,7 +5624,7 @@
         <p:spPr>
           <a:xfrm>
             <a:off x="5832720" y="366120"/>
-            <a:ext cx="5523480" cy="999720"/>
+            <a:ext cx="5523120" cy="999360"/>
           </a:xfrm>
           <a:prstGeom prst="rect">
             <a:avLst/>
@@ -5959,7 +5633,7 @@
       </p:pic>
       <p:sp>
         <p:nvSpPr>
-          <p:cNvPr id="105" name="Line 1"/>
+          <p:cNvPr id="99" name="Line 1"/>
           <p:cNvSpPr/>
           <p:nvPr/>
         </p:nvSpPr>
@@ -5981,21 +5655,21 @@
       </p:sp>
       <p:sp>
         <p:nvSpPr>
-          <p:cNvPr id="106" name="TextShape 2"/>
-          <p:cNvSpPr txBox="1"/>
+          <p:cNvPr id="100" name="CustomShape 2"/>
+          <p:cNvSpPr/>
           <p:nvPr/>
         </p:nvSpPr>
         <p:spPr>
           <a:xfrm>
             <a:off x="839160" y="1825920"/>
-            <a:ext cx="10515240" cy="1486440"/>
-          </a:xfrm>
-          <a:prstGeom prst="rect">
-            <a:avLst/>
-          </a:prstGeom>
-        </p:spPr>
-        <p:txBody>
-          <a:bodyPr/>
+            <a:ext cx="10514880" cy="1486080"/>
+          </a:xfrm>
+          <a:prstGeom prst="rect">
+            <a:avLst/>
+          </a:prstGeom>
+        </p:spPr>
+        <p:txBody>
+          <a:bodyPr bIns="45000" lIns="90000" rIns="90000" tIns="45000"/>
           <a:p>
             <a:pPr algn="ctr">
               <a:lnSpc>
@@ -6058,7 +5732,7 @@
       </p:sp>
       <p:pic>
         <p:nvPicPr>
-          <p:cNvPr descr="" id="107" name=""/>
+          <p:cNvPr descr="" id="101" name=""/>
           <p:cNvPicPr/>
           <p:nvPr/>
         </p:nvPicPr>
@@ -6071,7 +5745,7 @@
         <p:spPr>
           <a:xfrm>
             <a:off x="4292280" y="3497400"/>
-            <a:ext cx="3657240" cy="2971440"/>
+            <a:ext cx="3656880" cy="2971080"/>
           </a:xfrm>
           <a:prstGeom prst="rect">
             <a:avLst/>
@@ -6129,7 +5803,7 @@
       </p:grpSpPr>
       <p:pic>
         <p:nvPicPr>
-          <p:cNvPr descr="" id="108" name="Imagem 6"/>
+          <p:cNvPr descr="" id="102" name="Imagem 6"/>
           <p:cNvPicPr/>
           <p:nvPr/>
         </p:nvPicPr>
@@ -6142,7 +5816,7 @@
         <p:spPr>
           <a:xfrm>
             <a:off x="787320" y="366480"/>
-            <a:ext cx="1885320" cy="999720"/>
+            <a:ext cx="1884960" cy="999360"/>
           </a:xfrm>
           <a:prstGeom prst="rect">
             <a:avLst/>
@@ -6151,7 +5825,7 @@
       </p:pic>
       <p:pic>
         <p:nvPicPr>
-          <p:cNvPr descr="" id="109" name="Imagem 7"/>
+          <p:cNvPr descr="" id="103" name="Imagem 7"/>
           <p:cNvPicPr/>
           <p:nvPr/>
         </p:nvPicPr>
@@ -6164,7 +5838,7 @@
         <p:spPr>
           <a:xfrm>
             <a:off x="5832720" y="366480"/>
-            <a:ext cx="5523480" cy="999720"/>
+            <a:ext cx="5523120" cy="999360"/>
           </a:xfrm>
           <a:prstGeom prst="rect">
             <a:avLst/>
@@ -6173,7 +5847,7 @@
       </p:pic>
       <p:sp>
         <p:nvSpPr>
-          <p:cNvPr id="110" name="Line 1"/>
+          <p:cNvPr id="104" name="Line 1"/>
           <p:cNvSpPr/>
           <p:nvPr/>
         </p:nvSpPr>
@@ -6195,21 +5869,21 @@
       </p:sp>
       <p:sp>
         <p:nvSpPr>
-          <p:cNvPr id="111" name="TextShape 2"/>
-          <p:cNvSpPr txBox="1"/>
+          <p:cNvPr id="105" name="CustomShape 2"/>
+          <p:cNvSpPr/>
           <p:nvPr/>
         </p:nvSpPr>
         <p:spPr>
           <a:xfrm>
             <a:off x="839520" y="1826280"/>
-            <a:ext cx="10515240" cy="1486440"/>
-          </a:xfrm>
-          <a:prstGeom prst="rect">
-            <a:avLst/>
-          </a:prstGeom>
-        </p:spPr>
-        <p:txBody>
-          <a:bodyPr/>
+            <a:ext cx="10514880" cy="1486080"/>
+          </a:xfrm>
+          <a:prstGeom prst="rect">
+            <a:avLst/>
+          </a:prstGeom>
+        </p:spPr>
+        <p:txBody>
+          <a:bodyPr bIns="45000" lIns="90000" rIns="90000" tIns="45000"/>
           <a:p>
             <a:pPr algn="ctr">
               <a:lnSpc>
@@ -6272,7 +5946,7 @@
       </p:sp>
       <p:pic>
         <p:nvPicPr>
-          <p:cNvPr descr="" id="112" name=""/>
+          <p:cNvPr descr="" id="106" name=""/>
           <p:cNvPicPr/>
           <p:nvPr/>
         </p:nvPicPr>
@@ -6285,7 +5959,7 @@
         <p:spPr>
           <a:xfrm>
             <a:off x="7706160" y="2334960"/>
-            <a:ext cx="3669840" cy="4431960"/>
+            <a:ext cx="3669480" cy="4431600"/>
           </a:xfrm>
           <a:prstGeom prst="rect">
             <a:avLst/>
@@ -6316,7 +5990,7 @@
       </p:grpSpPr>
       <p:pic>
         <p:nvPicPr>
-          <p:cNvPr descr="" id="113" name="Imagem 6"/>
+          <p:cNvPr descr="" id="107" name="Imagem 6"/>
           <p:cNvPicPr/>
           <p:nvPr/>
         </p:nvPicPr>
@@ -6329,7 +6003,7 @@
         <p:spPr>
           <a:xfrm>
             <a:off x="787320" y="366120"/>
-            <a:ext cx="1885320" cy="999720"/>
+            <a:ext cx="1884960" cy="999360"/>
           </a:xfrm>
           <a:prstGeom prst="rect">
             <a:avLst/>
@@ -6338,7 +6012,7 @@
       </p:pic>
       <p:pic>
         <p:nvPicPr>
-          <p:cNvPr descr="" id="114" name="Imagem 7"/>
+          <p:cNvPr descr="" id="108" name="Imagem 7"/>
           <p:cNvPicPr/>
           <p:nvPr/>
         </p:nvPicPr>
@@ -6351,7 +6025,7 @@
         <p:spPr>
           <a:xfrm>
             <a:off x="5832720" y="366120"/>
-            <a:ext cx="5523480" cy="999720"/>
+            <a:ext cx="5523120" cy="999360"/>
           </a:xfrm>
           <a:prstGeom prst="rect">
             <a:avLst/>
@@ -6360,7 +6034,7 @@
       </p:pic>
       <p:sp>
         <p:nvSpPr>
-          <p:cNvPr id="115" name="Line 1"/>
+          <p:cNvPr id="109" name="Line 1"/>
           <p:cNvSpPr/>
           <p:nvPr/>
         </p:nvSpPr>
@@ -6382,21 +6056,21 @@
       </p:sp>
       <p:sp>
         <p:nvSpPr>
-          <p:cNvPr id="116" name="TextShape 2"/>
-          <p:cNvSpPr txBox="1"/>
+          <p:cNvPr id="110" name="CustomShape 2"/>
+          <p:cNvSpPr/>
           <p:nvPr/>
         </p:nvSpPr>
         <p:spPr>
           <a:xfrm>
             <a:off x="839520" y="1826280"/>
-            <a:ext cx="10515240" cy="1486440"/>
-          </a:xfrm>
-          <a:prstGeom prst="rect">
-            <a:avLst/>
-          </a:prstGeom>
-        </p:spPr>
-        <p:txBody>
-          <a:bodyPr/>
+            <a:ext cx="10514880" cy="1486080"/>
+          </a:xfrm>
+          <a:prstGeom prst="rect">
+            <a:avLst/>
+          </a:prstGeom>
+        </p:spPr>
+        <p:txBody>
+          <a:bodyPr bIns="45000" lIns="90000" rIns="90000" tIns="45000"/>
           <a:p>
             <a:pPr algn="ctr">
               <a:lnSpc>
@@ -6459,7 +6133,7 @@
       </p:sp>
       <p:pic>
         <p:nvPicPr>
-          <p:cNvPr descr="" id="117" name=""/>
+          <p:cNvPr descr="" id="111" name=""/>
           <p:cNvPicPr/>
           <p:nvPr/>
         </p:nvPicPr>
@@ -6472,7 +6146,7 @@
         <p:spPr>
           <a:xfrm>
             <a:off x="2946240" y="3954600"/>
-            <a:ext cx="6349680" cy="1841040"/>
+            <a:ext cx="6349320" cy="1840680"/>
           </a:xfrm>
           <a:prstGeom prst="rect">
             <a:avLst/>
@@ -6530,7 +6204,7 @@
       </p:grpSpPr>
       <p:pic>
         <p:nvPicPr>
-          <p:cNvPr descr="" id="118" name="Imagem 6"/>
+          <p:cNvPr descr="" id="112" name="Imagem 6"/>
           <p:cNvPicPr/>
           <p:nvPr/>
         </p:nvPicPr>
@@ -6543,7 +6217,7 @@
         <p:spPr>
           <a:xfrm>
             <a:off x="787320" y="366120"/>
-            <a:ext cx="1885320" cy="999720"/>
+            <a:ext cx="1884960" cy="999360"/>
           </a:xfrm>
           <a:prstGeom prst="rect">
             <a:avLst/>
@@ -6552,7 +6226,7 @@
       </p:pic>
       <p:pic>
         <p:nvPicPr>
-          <p:cNvPr descr="" id="119" name="Imagem 7"/>
+          <p:cNvPr descr="" id="113" name="Imagem 7"/>
           <p:cNvPicPr/>
           <p:nvPr/>
         </p:nvPicPr>
@@ -6565,7 +6239,7 @@
         <p:spPr>
           <a:xfrm>
             <a:off x="5832720" y="366120"/>
-            <a:ext cx="5523480" cy="999720"/>
+            <a:ext cx="5523120" cy="999360"/>
           </a:xfrm>
           <a:prstGeom prst="rect">
             <a:avLst/>
@@ -6574,7 +6248,7 @@
       </p:pic>
       <p:sp>
         <p:nvSpPr>
-          <p:cNvPr id="120" name="Line 1"/>
+          <p:cNvPr id="114" name="Line 1"/>
           <p:cNvSpPr/>
           <p:nvPr/>
         </p:nvSpPr>
@@ -6596,21 +6270,21 @@
       </p:sp>
       <p:sp>
         <p:nvSpPr>
-          <p:cNvPr id="121" name="TextShape 2"/>
-          <p:cNvSpPr txBox="1"/>
+          <p:cNvPr id="115" name="CustomShape 2"/>
+          <p:cNvSpPr/>
           <p:nvPr/>
         </p:nvSpPr>
         <p:spPr>
           <a:xfrm>
             <a:off x="839880" y="1826640"/>
-            <a:ext cx="10515240" cy="1486440"/>
-          </a:xfrm>
-          <a:prstGeom prst="rect">
-            <a:avLst/>
-          </a:prstGeom>
-        </p:spPr>
-        <p:txBody>
-          <a:bodyPr/>
+            <a:ext cx="10514880" cy="1486080"/>
+          </a:xfrm>
+          <a:prstGeom prst="rect">
+            <a:avLst/>
+          </a:prstGeom>
+        </p:spPr>
+        <p:txBody>
+          <a:bodyPr bIns="45000" lIns="90000" rIns="90000" tIns="45000"/>
           <a:p>
             <a:pPr algn="ctr">
               <a:lnSpc>
@@ -6673,7 +6347,7 @@
       </p:sp>
       <p:pic>
         <p:nvPicPr>
-          <p:cNvPr descr="" id="122" name=""/>
+          <p:cNvPr descr="" id="116" name=""/>
           <p:cNvPicPr/>
           <p:nvPr/>
         </p:nvPicPr>
@@ -6686,7 +6360,7 @@
         <p:spPr>
           <a:xfrm>
             <a:off x="4184280" y="3620160"/>
-            <a:ext cx="3873240" cy="2869920"/>
+            <a:ext cx="3872880" cy="2869560"/>
           </a:xfrm>
           <a:prstGeom prst="rect">
             <a:avLst/>
